--- a/PRESENTACIONES/5. Pentaho.pptx
+++ b/PRESENTACIONES/5. Pentaho.pptx
@@ -24,8 +24,15 @@
     <p:sldId id="275" r:id="rId18"/>
     <p:sldId id="272" r:id="rId19"/>
     <p:sldId id="276" r:id="rId20"/>
-    <p:sldId id="273" r:id="rId21"/>
-    <p:sldId id="274" r:id="rId22"/>
+    <p:sldId id="280" r:id="rId21"/>
+    <p:sldId id="281" r:id="rId22"/>
+    <p:sldId id="284" r:id="rId23"/>
+    <p:sldId id="273" r:id="rId24"/>
+    <p:sldId id="274" r:id="rId25"/>
+    <p:sldId id="277" r:id="rId26"/>
+    <p:sldId id="278" r:id="rId27"/>
+    <p:sldId id="279" r:id="rId28"/>
+    <p:sldId id="283" r:id="rId29"/>
   </p:sldIdLst>
   <p:sldSz cx="12192000" cy="6858000"/>
   <p:notesSz cx="6858000" cy="9144000"/>
@@ -279,7 +286,7 @@
           <a:p>
             <a:fld id="{07B54D71-93FF-4FE9-8FBA-4F7CF4208026}" type="datetimeFigureOut">
               <a:rPr lang="es-ES" smtClean="0"/>
-              <a:t>13/02/2023</a:t>
+              <a:t>17/02/2023</a:t>
             </a:fld>
             <a:endParaRPr lang="es-ES"/>
           </a:p>
@@ -477,7 +484,7 @@
           <a:p>
             <a:fld id="{07B54D71-93FF-4FE9-8FBA-4F7CF4208026}" type="datetimeFigureOut">
               <a:rPr lang="es-ES" smtClean="0"/>
-              <a:t>13/02/2023</a:t>
+              <a:t>17/02/2023</a:t>
             </a:fld>
             <a:endParaRPr lang="es-ES"/>
           </a:p>
@@ -685,7 +692,7 @@
           <a:p>
             <a:fld id="{07B54D71-93FF-4FE9-8FBA-4F7CF4208026}" type="datetimeFigureOut">
               <a:rPr lang="es-ES" smtClean="0"/>
-              <a:t>13/02/2023</a:t>
+              <a:t>17/02/2023</a:t>
             </a:fld>
             <a:endParaRPr lang="es-ES"/>
           </a:p>
@@ -883,7 +890,7 @@
           <a:p>
             <a:fld id="{07B54D71-93FF-4FE9-8FBA-4F7CF4208026}" type="datetimeFigureOut">
               <a:rPr lang="es-ES" smtClean="0"/>
-              <a:t>13/02/2023</a:t>
+              <a:t>17/02/2023</a:t>
             </a:fld>
             <a:endParaRPr lang="es-ES"/>
           </a:p>
@@ -1158,7 +1165,7 @@
           <a:p>
             <a:fld id="{07B54D71-93FF-4FE9-8FBA-4F7CF4208026}" type="datetimeFigureOut">
               <a:rPr lang="es-ES" smtClean="0"/>
-              <a:t>13/02/2023</a:t>
+              <a:t>17/02/2023</a:t>
             </a:fld>
             <a:endParaRPr lang="es-ES"/>
           </a:p>
@@ -1423,7 +1430,7 @@
           <a:p>
             <a:fld id="{07B54D71-93FF-4FE9-8FBA-4F7CF4208026}" type="datetimeFigureOut">
               <a:rPr lang="es-ES" smtClean="0"/>
-              <a:t>13/02/2023</a:t>
+              <a:t>17/02/2023</a:t>
             </a:fld>
             <a:endParaRPr lang="es-ES"/>
           </a:p>
@@ -1835,7 +1842,7 @@
           <a:p>
             <a:fld id="{07B54D71-93FF-4FE9-8FBA-4F7CF4208026}" type="datetimeFigureOut">
               <a:rPr lang="es-ES" smtClean="0"/>
-              <a:t>13/02/2023</a:t>
+              <a:t>17/02/2023</a:t>
             </a:fld>
             <a:endParaRPr lang="es-ES"/>
           </a:p>
@@ -1976,7 +1983,7 @@
           <a:p>
             <a:fld id="{07B54D71-93FF-4FE9-8FBA-4F7CF4208026}" type="datetimeFigureOut">
               <a:rPr lang="es-ES" smtClean="0"/>
-              <a:t>13/02/2023</a:t>
+              <a:t>17/02/2023</a:t>
             </a:fld>
             <a:endParaRPr lang="es-ES"/>
           </a:p>
@@ -2089,7 +2096,7 @@
           <a:p>
             <a:fld id="{07B54D71-93FF-4FE9-8FBA-4F7CF4208026}" type="datetimeFigureOut">
               <a:rPr lang="es-ES" smtClean="0"/>
-              <a:t>13/02/2023</a:t>
+              <a:t>17/02/2023</a:t>
             </a:fld>
             <a:endParaRPr lang="es-ES"/>
           </a:p>
@@ -2400,7 +2407,7 @@
           <a:p>
             <a:fld id="{07B54D71-93FF-4FE9-8FBA-4F7CF4208026}" type="datetimeFigureOut">
               <a:rPr lang="es-ES" smtClean="0"/>
-              <a:t>13/02/2023</a:t>
+              <a:t>17/02/2023</a:t>
             </a:fld>
             <a:endParaRPr lang="es-ES"/>
           </a:p>
@@ -2688,7 +2695,7 @@
           <a:p>
             <a:fld id="{07B54D71-93FF-4FE9-8FBA-4F7CF4208026}" type="datetimeFigureOut">
               <a:rPr lang="es-ES" smtClean="0"/>
-              <a:t>13/02/2023</a:t>
+              <a:t>17/02/2023</a:t>
             </a:fld>
             <a:endParaRPr lang="es-ES"/>
           </a:p>
@@ -2929,7 +2936,7 @@
           <a:p>
             <a:fld id="{07B54D71-93FF-4FE9-8FBA-4F7CF4208026}" type="datetimeFigureOut">
               <a:rPr lang="es-ES" smtClean="0"/>
-              <a:t>13/02/2023</a:t>
+              <a:t>17/02/2023</a:t>
             </a:fld>
             <a:endParaRPr lang="es-ES"/>
           </a:p>
@@ -6404,7 +6411,7 @@
           <a:p>
             <a:pPr algn="ctr"/>
             <a:r>
-              <a:rPr lang="en-US" sz="6600" kern="1200">
+              <a:rPr lang="en-US" sz="6600" kern="1200" dirty="0">
                 <a:solidFill>
                   <a:srgbClr val="FFFFFF"/>
                 </a:solidFill>
@@ -6412,7 +6419,7 @@
                 <a:ea typeface="+mj-ea"/>
                 <a:cs typeface="+mj-cs"/>
               </a:rPr>
-              <a:t>DEMO: CREAR NUESTRA PRIMERA ETL</a:t>
+              <a:t>DEMO: CREANDO NUESTRA PRIMERA ETL</a:t>
             </a:r>
           </a:p>
         </p:txBody>
@@ -6790,27 +6797,8 @@
                 <a:ea typeface="+mj-ea"/>
                 <a:cs typeface="+mj-cs"/>
               </a:rPr>
-              <a:t>DEMO</a:t>
-            </a:r>
-            <a:r>
-              <a:rPr lang="en-US" sz="6600" kern="1200">
-                <a:solidFill>
-                  <a:srgbClr val="FFFFFF"/>
-                </a:solidFill>
-                <a:latin typeface="+mj-lt"/>
-                <a:ea typeface="+mj-ea"/>
-                <a:cs typeface="+mj-cs"/>
-              </a:rPr>
-              <a:t>: LLENANDO NUESTRO DWH</a:t>
-            </a:r>
-            <a:endParaRPr lang="en-US" sz="6600" kern="1200" dirty="0">
-              <a:solidFill>
-                <a:srgbClr val="FFFFFF"/>
-              </a:solidFill>
-              <a:latin typeface="+mj-lt"/>
-              <a:ea typeface="+mj-ea"/>
-              <a:cs typeface="+mj-cs"/>
-            </a:endParaRPr>
+              <a:t>DEMO: LLENANDO NUESTRO DWH</a:t>
+            </a:r>
           </a:p>
         </p:txBody>
       </p:sp>
@@ -7097,7 +7085,7 @@
     </p:spTree>
     <p:extLst>
       <p:ext uri="{BB962C8B-B14F-4D97-AF65-F5344CB8AC3E}">
-        <p14:creationId xmlns:p14="http://schemas.microsoft.com/office/powerpoint/2010/main" val="3185287008"/>
+        <p14:creationId xmlns:p14="http://schemas.microsoft.com/office/powerpoint/2010/main" val="2554046340"/>
       </p:ext>
     </p:extLst>
   </p:cSld>
@@ -7567,6 +7555,14 @@
 <file path=ppt/slides/slide20.xml><?xml version="1.0" encoding="utf-8"?>
 <p:sld xmlns:a="http://schemas.openxmlformats.org/drawingml/2006/main" xmlns:r="http://schemas.openxmlformats.org/officeDocument/2006/relationships" xmlns:p="http://schemas.openxmlformats.org/presentationml/2006/main">
   <p:cSld>
+    <p:bg>
+      <p:bgPr>
+        <a:solidFill>
+          <a:schemeClr val="bg1"/>
+        </a:solidFill>
+        <a:effectLst/>
+      </p:bgPr>
+    </p:bg>
     <p:spTree>
       <p:nvGrpSpPr>
         <p:cNvPr id="1" name=""/>
@@ -7583,10 +7579,77 @@
       </p:grpSpPr>
       <p:sp>
         <p:nvSpPr>
+          <p:cNvPr id="8" name="Rectangle 7">
+            <a:extLst>
+              <a:ext uri="{FF2B5EF4-FFF2-40B4-BE49-F238E27FC236}">
+                <a16:creationId xmlns:a16="http://schemas.microsoft.com/office/drawing/2014/main" id="{B775CD93-9DF2-48CB-9F57-1BCA9A46C7FA}"/>
+              </a:ext>
+              <a:ext uri="{C183D7F6-B498-43B3-948B-1728B52AA6E4}">
+                <adec:decorative xmlns:adec="http://schemas.microsoft.com/office/drawing/2017/decorative" val="1"/>
+              </a:ext>
+            </a:extLst>
+          </p:cNvPr>
+          <p:cNvSpPr>
+            <a:spLocks noGrp="1" noRot="1" noChangeAspect="1" noMove="1" noResize="1" noEditPoints="1" noAdjustHandles="1" noChangeArrowheads="1" noChangeShapeType="1" noTextEdit="1"/>
+          </p:cNvSpPr>
+          <p:nvPr>
+            <p:extLst>
+              <p:ext uri="{386F3935-93C4-4BCD-93E2-E3B085C9AB24}">
+                <p16:designElem xmlns:p16="http://schemas.microsoft.com/office/powerpoint/2015/main" val="1"/>
+              </p:ext>
+            </p:extLst>
+          </p:nvPr>
+        </p:nvSpPr>
+        <p:spPr>
+          <a:xfrm>
+            <a:off x="466344" y="448055"/>
+            <a:ext cx="3414370" cy="3801257"/>
+          </a:xfrm>
+          <a:prstGeom prst="rect">
+            <a:avLst/>
+          </a:prstGeom>
+          <a:solidFill>
+            <a:srgbClr val="595959"/>
+          </a:solidFill>
+          <a:ln w="25400">
+            <a:noFill/>
+          </a:ln>
+        </p:spPr>
+        <p:style>
+          <a:lnRef idx="2">
+            <a:schemeClr val="accent1">
+              <a:shade val="50000"/>
+            </a:schemeClr>
+          </a:lnRef>
+          <a:fillRef idx="1">
+            <a:schemeClr val="accent1"/>
+          </a:fillRef>
+          <a:effectRef idx="0">
+            <a:schemeClr val="accent1"/>
+          </a:effectRef>
+          <a:fontRef idx="minor">
+            <a:schemeClr val="lt1"/>
+          </a:fontRef>
+        </p:style>
+        <p:txBody>
+          <a:bodyPr rtlCol="0" anchor="ctr"/>
+          <a:lstStyle/>
+          <a:p>
+            <a:pPr algn="ctr"/>
+            <a:endParaRPr lang="en-US">
+              <a:solidFill>
+                <a:srgbClr val="FFFFFF"/>
+              </a:solidFill>
+            </a:endParaRPr>
+          </a:p>
+        </p:txBody>
+      </p:sp>
+      <p:sp>
+        <p:nvSpPr>
           <p:cNvPr id="2" name="Título 1">
             <a:extLst>
               <a:ext uri="{FF2B5EF4-FFF2-40B4-BE49-F238E27FC236}">
-                <a16:creationId xmlns:a16="http://schemas.microsoft.com/office/drawing/2014/main" id="{0E3B50E6-1A68-4820-1E17-2DC837A230AE}"/>
+                <a16:creationId xmlns:a16="http://schemas.microsoft.com/office/drawing/2014/main" id="{DAB90EDE-4398-5434-8C96-16DDBCCCBAD9}"/>
               </a:ext>
             </a:extLst>
           </p:cNvPr>
@@ -7597,12 +7660,162 @@
             <p:ph type="title"/>
           </p:nvPr>
         </p:nvSpPr>
-        <p:spPr/>
-        <p:txBody>
-          <a:bodyPr/>
-          <a:lstStyle/>
-          <a:p>
-            <a:endParaRPr lang="es-ES"/>
+        <p:spPr>
+          <a:xfrm>
+            <a:off x="777240" y="731519"/>
+            <a:ext cx="2845191" cy="3237579"/>
+          </a:xfrm>
+        </p:spPr>
+        <p:txBody>
+          <a:bodyPr>
+            <a:normAutofit/>
+          </a:bodyPr>
+          <a:lstStyle/>
+          <a:p>
+            <a:r>
+              <a:rPr lang="es-ES" sz="3800">
+                <a:solidFill>
+                  <a:srgbClr val="FFFFFF"/>
+                </a:solidFill>
+              </a:rPr>
+              <a:t>PENTAHO REPORT DESIGNER</a:t>
+            </a:r>
+          </a:p>
+        </p:txBody>
+      </p:sp>
+      <p:sp>
+        <p:nvSpPr>
+          <p:cNvPr id="10" name="Rectangle 9">
+            <a:extLst>
+              <a:ext uri="{FF2B5EF4-FFF2-40B4-BE49-F238E27FC236}">
+                <a16:creationId xmlns:a16="http://schemas.microsoft.com/office/drawing/2014/main" id="{6166C6D1-23AC-49C4-BA07-238E4E9F8CEB}"/>
+              </a:ext>
+              <a:ext uri="{C183D7F6-B498-43B3-948B-1728B52AA6E4}">
+                <adec:decorative xmlns:adec="http://schemas.microsoft.com/office/drawing/2017/decorative" val="1"/>
+              </a:ext>
+            </a:extLst>
+          </p:cNvPr>
+          <p:cNvSpPr>
+            <a:spLocks noGrp="1" noRot="1" noChangeAspect="1" noMove="1" noResize="1" noEditPoints="1" noAdjustHandles="1" noChangeArrowheads="1" noChangeShapeType="1" noTextEdit="1"/>
+          </p:cNvSpPr>
+          <p:nvPr>
+            <p:extLst>
+              <p:ext uri="{386F3935-93C4-4BCD-93E2-E3B085C9AB24}">
+                <p16:designElem xmlns:p16="http://schemas.microsoft.com/office/powerpoint/2015/main" val="1"/>
+              </p:ext>
+            </p:extLst>
+          </p:nvPr>
+        </p:nvSpPr>
+        <p:spPr>
+          <a:xfrm>
+            <a:off x="466343" y="4419227"/>
+            <a:ext cx="3414369" cy="1979852"/>
+          </a:xfrm>
+          <a:prstGeom prst="rect">
+            <a:avLst/>
+          </a:prstGeom>
+          <a:solidFill>
+            <a:schemeClr val="accent1">
+              <a:alpha val="95000"/>
+            </a:schemeClr>
+          </a:solidFill>
+          <a:ln w="25400">
+            <a:noFill/>
+          </a:ln>
+        </p:spPr>
+        <p:style>
+          <a:lnRef idx="2">
+            <a:schemeClr val="accent1">
+              <a:shade val="50000"/>
+            </a:schemeClr>
+          </a:lnRef>
+          <a:fillRef idx="1">
+            <a:schemeClr val="accent1"/>
+          </a:fillRef>
+          <a:effectRef idx="0">
+            <a:schemeClr val="accent1"/>
+          </a:effectRef>
+          <a:fontRef idx="minor">
+            <a:schemeClr val="lt1"/>
+          </a:fontRef>
+        </p:style>
+        <p:txBody>
+          <a:bodyPr rtlCol="0" anchor="ctr"/>
+          <a:lstStyle/>
+          <a:p>
+            <a:pPr algn="ctr"/>
+            <a:endParaRPr lang="en-US" dirty="0">
+              <a:solidFill>
+                <a:srgbClr val="FFFFFF"/>
+              </a:solidFill>
+            </a:endParaRPr>
+          </a:p>
+        </p:txBody>
+      </p:sp>
+      <p:sp>
+        <p:nvSpPr>
+          <p:cNvPr id="12" name="Rectangle 11">
+            <a:extLst>
+              <a:ext uri="{FF2B5EF4-FFF2-40B4-BE49-F238E27FC236}">
+                <a16:creationId xmlns:a16="http://schemas.microsoft.com/office/drawing/2014/main" id="{1C091803-41C2-48E0-9228-5148460C7479}"/>
+              </a:ext>
+              <a:ext uri="{C183D7F6-B498-43B3-948B-1728B52AA6E4}">
+                <adec:decorative xmlns:adec="http://schemas.microsoft.com/office/drawing/2017/decorative" val="1"/>
+              </a:ext>
+            </a:extLst>
+          </p:cNvPr>
+          <p:cNvSpPr>
+            <a:spLocks noGrp="1" noRot="1" noChangeAspect="1" noMove="1" noResize="1" noEditPoints="1" noAdjustHandles="1" noChangeArrowheads="1" noChangeShapeType="1" noTextEdit="1"/>
+          </p:cNvSpPr>
+          <p:nvPr>
+            <p:extLst>
+              <p:ext uri="{386F3935-93C4-4BCD-93E2-E3B085C9AB24}">
+                <p16:designElem xmlns:p16="http://schemas.microsoft.com/office/powerpoint/2015/main" val="1"/>
+              </p:ext>
+            </p:extLst>
+          </p:nvPr>
+        </p:nvSpPr>
+        <p:spPr>
+          <a:xfrm>
+            <a:off x="4044603" y="448055"/>
+            <a:ext cx="7688475" cy="5952745"/>
+          </a:xfrm>
+          <a:prstGeom prst="rect">
+            <a:avLst/>
+          </a:prstGeom>
+          <a:solidFill>
+            <a:schemeClr val="tx1">
+              <a:lumMod val="50000"/>
+              <a:lumOff val="50000"/>
+              <a:alpha val="20000"/>
+            </a:schemeClr>
+          </a:solidFill>
+          <a:ln>
+            <a:noFill/>
+          </a:ln>
+        </p:spPr>
+        <p:style>
+          <a:lnRef idx="2">
+            <a:schemeClr val="accent1">
+              <a:shade val="50000"/>
+            </a:schemeClr>
+          </a:lnRef>
+          <a:fillRef idx="1">
+            <a:schemeClr val="accent1"/>
+          </a:fillRef>
+          <a:effectRef idx="0">
+            <a:schemeClr val="accent1"/>
+          </a:effectRef>
+          <a:fontRef idx="minor">
+            <a:schemeClr val="lt1"/>
+          </a:fontRef>
+        </p:style>
+        <p:txBody>
+          <a:bodyPr rtlCol="0" anchor="ctr"/>
+          <a:lstStyle/>
+          <a:p>
+            <a:pPr algn="ctr"/>
+            <a:endParaRPr lang="en-US"/>
           </a:p>
         </p:txBody>
       </p:sp>
@@ -7611,7 +7824,7 @@
           <p:cNvPr id="3" name="Marcador de contenido 2">
             <a:extLst>
               <a:ext uri="{FF2B5EF4-FFF2-40B4-BE49-F238E27FC236}">
-                <a16:creationId xmlns:a16="http://schemas.microsoft.com/office/drawing/2014/main" id="{921CB861-2BAC-281D-ECA7-C786FF188958}"/>
+                <a16:creationId xmlns:a16="http://schemas.microsoft.com/office/drawing/2014/main" id="{B0C75C78-7AF2-CBF5-7AD7-3356E163F01F}"/>
               </a:ext>
             </a:extLst>
           </p:cNvPr>
@@ -7622,19 +7835,71 @@
             <p:ph idx="1"/>
           </p:nvPr>
         </p:nvSpPr>
-        <p:spPr/>
-        <p:txBody>
-          <a:bodyPr/>
-          <a:lstStyle/>
-          <a:p>
-            <a:endParaRPr lang="es-ES"/>
+        <p:spPr>
+          <a:xfrm>
+            <a:off x="4379709" y="686862"/>
+            <a:ext cx="7037591" cy="5475129"/>
+          </a:xfrm>
+        </p:spPr>
+        <p:txBody>
+          <a:bodyPr anchor="ctr">
+            <a:normAutofit fontScale="92500"/>
+          </a:bodyPr>
+          <a:lstStyle/>
+          <a:p>
+            <a:pPr algn="just"/>
+            <a:r>
+              <a:rPr lang="es-ES" sz="2200" dirty="0">
+                <a:latin typeface="Arial" panose="020B0604020202020204" pitchFamily="34" charset="0"/>
+              </a:rPr>
+              <a:t>Herramienta externa de la Suite de Pentaho, programada en JAVA, convirtiéndola en multiplataforma.</a:t>
+            </a:r>
+          </a:p>
+          <a:p>
+            <a:pPr algn="just"/>
+            <a:r>
+              <a:rPr lang="es-ES" sz="2200" dirty="0">
+                <a:latin typeface="Arial" panose="020B0604020202020204" pitchFamily="34" charset="0"/>
+              </a:rPr>
+              <a:t>Se trata de la aplicación para realizar informes de cara a ser descargados posteriormente en algún formato común. La cual </a:t>
+            </a:r>
+            <a:r>
+              <a:rPr lang="es-ES" sz="2200" dirty="0" err="1">
+                <a:latin typeface="Arial" panose="020B0604020202020204" pitchFamily="34" charset="0"/>
+              </a:rPr>
+              <a:t>rel</a:t>
+            </a:r>
+            <a:r>
+              <a:rPr lang="es-ES" sz="2200" dirty="0">
+                <a:latin typeface="Arial" panose="020B0604020202020204" pitchFamily="34" charset="0"/>
+              </a:rPr>
+              <a:t> lena de forma dinámica estructuras, repitiéndolas en función de la consulta y de las columnas que definamos.</a:t>
+            </a:r>
+          </a:p>
+          <a:p>
+            <a:pPr algn="just"/>
+            <a:r>
+              <a:rPr lang="es-ES" sz="2200" dirty="0">
+                <a:latin typeface="Arial" panose="020B0604020202020204" pitchFamily="34" charset="0"/>
+              </a:rPr>
+              <a:t>Nos permite crear parámetros que nos servirán para presentarlo, o no, al usuario y poder filtrar el informe en tiempo real, l o que aporta un buen valor como herramienta versátil de informes.</a:t>
+            </a:r>
+          </a:p>
+          <a:p>
+            <a:pPr algn="just"/>
+            <a:r>
+              <a:rPr lang="es-ES" sz="2200" dirty="0">
+                <a:latin typeface="Arial" panose="020B0604020202020204" pitchFamily="34" charset="0"/>
+              </a:rPr>
+              <a:t>Una vez terminado, pueden ser visualizados desde la propia herramienta o desde nuestro Pentaho Server, al publicarlo. La vista, a parte de proporcionar los selectores con los parámetros que hayamos definido, nos permite exportar y/o representar los datos en diferentes formatos; HTML paginado, HTML sin paginar, PDF, Excel, CSV... Todo ello sin tener que configurar previamente nada.</a:t>
+            </a:r>
           </a:p>
         </p:txBody>
       </p:sp>
     </p:spTree>
     <p:extLst>
       <p:ext uri="{BB962C8B-B14F-4D97-AF65-F5344CB8AC3E}">
-        <p14:creationId xmlns:p14="http://schemas.microsoft.com/office/powerpoint/2010/main" val="4014025701"/>
+        <p14:creationId xmlns:p14="http://schemas.microsoft.com/office/powerpoint/2010/main" val="3582515607"/>
       </p:ext>
     </p:extLst>
   </p:cSld>
@@ -7647,6 +7912,14 @@
 <file path=ppt/slides/slide21.xml><?xml version="1.0" encoding="utf-8"?>
 <p:sld xmlns:a="http://schemas.openxmlformats.org/drawingml/2006/main" xmlns:r="http://schemas.openxmlformats.org/officeDocument/2006/relationships" xmlns:p="http://schemas.openxmlformats.org/presentationml/2006/main">
   <p:cSld>
+    <p:bg>
+      <p:bgPr>
+        <a:solidFill>
+          <a:schemeClr val="bg1"/>
+        </a:solidFill>
+        <a:effectLst/>
+      </p:bgPr>
+    </p:bg>
     <p:spTree>
       <p:nvGrpSpPr>
         <p:cNvPr id="1" name=""/>
@@ -7663,10 +7936,77 @@
       </p:grpSpPr>
       <p:sp>
         <p:nvSpPr>
+          <p:cNvPr id="8" name="Rectangle 7">
+            <a:extLst>
+              <a:ext uri="{FF2B5EF4-FFF2-40B4-BE49-F238E27FC236}">
+                <a16:creationId xmlns:a16="http://schemas.microsoft.com/office/drawing/2014/main" id="{B775CD93-9DF2-48CB-9F57-1BCA9A46C7FA}"/>
+              </a:ext>
+              <a:ext uri="{C183D7F6-B498-43B3-948B-1728B52AA6E4}">
+                <adec:decorative xmlns:adec="http://schemas.microsoft.com/office/drawing/2017/decorative" val="1"/>
+              </a:ext>
+            </a:extLst>
+          </p:cNvPr>
+          <p:cNvSpPr>
+            <a:spLocks noGrp="1" noRot="1" noChangeAspect="1" noMove="1" noResize="1" noEditPoints="1" noAdjustHandles="1" noChangeArrowheads="1" noChangeShapeType="1" noTextEdit="1"/>
+          </p:cNvSpPr>
+          <p:nvPr>
+            <p:extLst>
+              <p:ext uri="{386F3935-93C4-4BCD-93E2-E3B085C9AB24}">
+                <p16:designElem xmlns:p16="http://schemas.microsoft.com/office/powerpoint/2015/main" val="1"/>
+              </p:ext>
+            </p:extLst>
+          </p:nvPr>
+        </p:nvSpPr>
+        <p:spPr>
+          <a:xfrm>
+            <a:off x="466344" y="448055"/>
+            <a:ext cx="3414370" cy="3801257"/>
+          </a:xfrm>
+          <a:prstGeom prst="rect">
+            <a:avLst/>
+          </a:prstGeom>
+          <a:solidFill>
+            <a:srgbClr val="595959"/>
+          </a:solidFill>
+          <a:ln w="25400">
+            <a:noFill/>
+          </a:ln>
+        </p:spPr>
+        <p:style>
+          <a:lnRef idx="2">
+            <a:schemeClr val="accent1">
+              <a:shade val="50000"/>
+            </a:schemeClr>
+          </a:lnRef>
+          <a:fillRef idx="1">
+            <a:schemeClr val="accent1"/>
+          </a:fillRef>
+          <a:effectRef idx="0">
+            <a:schemeClr val="accent1"/>
+          </a:effectRef>
+          <a:fontRef idx="minor">
+            <a:schemeClr val="lt1"/>
+          </a:fontRef>
+        </p:style>
+        <p:txBody>
+          <a:bodyPr rtlCol="0" anchor="ctr"/>
+          <a:lstStyle/>
+          <a:p>
+            <a:pPr algn="ctr"/>
+            <a:endParaRPr lang="en-US">
+              <a:solidFill>
+                <a:srgbClr val="FFFFFF"/>
+              </a:solidFill>
+            </a:endParaRPr>
+          </a:p>
+        </p:txBody>
+      </p:sp>
+      <p:sp>
+        <p:nvSpPr>
           <p:cNvPr id="2" name="Título 1">
             <a:extLst>
               <a:ext uri="{FF2B5EF4-FFF2-40B4-BE49-F238E27FC236}">
-                <a16:creationId xmlns:a16="http://schemas.microsoft.com/office/drawing/2014/main" id="{2172F1CB-2A38-2720-091C-674203F8EBDD}"/>
+                <a16:creationId xmlns:a16="http://schemas.microsoft.com/office/drawing/2014/main" id="{F2B8638B-D984-2EAF-0826-F400D279B844}"/>
               </a:ext>
             </a:extLst>
           </p:cNvPr>
@@ -7677,12 +8017,169 @@
             <p:ph type="title"/>
           </p:nvPr>
         </p:nvSpPr>
-        <p:spPr/>
-        <p:txBody>
-          <a:bodyPr/>
-          <a:lstStyle/>
-          <a:p>
-            <a:endParaRPr lang="es-ES"/>
+        <p:spPr>
+          <a:xfrm>
+            <a:off x="777240" y="731519"/>
+            <a:ext cx="2845191" cy="3237579"/>
+          </a:xfrm>
+        </p:spPr>
+        <p:txBody>
+          <a:bodyPr>
+            <a:normAutofit/>
+          </a:bodyPr>
+          <a:lstStyle/>
+          <a:p>
+            <a:r>
+              <a:rPr lang="es-ES" sz="2900">
+                <a:solidFill>
+                  <a:srgbClr val="FFFFFF"/>
+                </a:solidFill>
+                <a:effectLst/>
+                <a:latin typeface="Arial" panose="020B0604020202020204" pitchFamily="34" charset="0"/>
+              </a:rPr>
+              <a:t>ESTRUCTURA</a:t>
+            </a:r>
+            <a:endParaRPr lang="es-ES" sz="2900">
+              <a:solidFill>
+                <a:srgbClr val="FFFFFF"/>
+              </a:solidFill>
+            </a:endParaRPr>
+          </a:p>
+        </p:txBody>
+      </p:sp>
+      <p:sp>
+        <p:nvSpPr>
+          <p:cNvPr id="10" name="Rectangle 9">
+            <a:extLst>
+              <a:ext uri="{FF2B5EF4-FFF2-40B4-BE49-F238E27FC236}">
+                <a16:creationId xmlns:a16="http://schemas.microsoft.com/office/drawing/2014/main" id="{6166C6D1-23AC-49C4-BA07-238E4E9F8CEB}"/>
+              </a:ext>
+              <a:ext uri="{C183D7F6-B498-43B3-948B-1728B52AA6E4}">
+                <adec:decorative xmlns:adec="http://schemas.microsoft.com/office/drawing/2017/decorative" val="1"/>
+              </a:ext>
+            </a:extLst>
+          </p:cNvPr>
+          <p:cNvSpPr>
+            <a:spLocks noGrp="1" noRot="1" noChangeAspect="1" noMove="1" noResize="1" noEditPoints="1" noAdjustHandles="1" noChangeArrowheads="1" noChangeShapeType="1" noTextEdit="1"/>
+          </p:cNvSpPr>
+          <p:nvPr>
+            <p:extLst>
+              <p:ext uri="{386F3935-93C4-4BCD-93E2-E3B085C9AB24}">
+                <p16:designElem xmlns:p16="http://schemas.microsoft.com/office/powerpoint/2015/main" val="1"/>
+              </p:ext>
+            </p:extLst>
+          </p:nvPr>
+        </p:nvSpPr>
+        <p:spPr>
+          <a:xfrm>
+            <a:off x="466343" y="4419227"/>
+            <a:ext cx="3414369" cy="1979852"/>
+          </a:xfrm>
+          <a:prstGeom prst="rect">
+            <a:avLst/>
+          </a:prstGeom>
+          <a:solidFill>
+            <a:schemeClr val="accent1">
+              <a:alpha val="95000"/>
+            </a:schemeClr>
+          </a:solidFill>
+          <a:ln w="25400">
+            <a:noFill/>
+          </a:ln>
+        </p:spPr>
+        <p:style>
+          <a:lnRef idx="2">
+            <a:schemeClr val="accent1">
+              <a:shade val="50000"/>
+            </a:schemeClr>
+          </a:lnRef>
+          <a:fillRef idx="1">
+            <a:schemeClr val="accent1"/>
+          </a:fillRef>
+          <a:effectRef idx="0">
+            <a:schemeClr val="accent1"/>
+          </a:effectRef>
+          <a:fontRef idx="minor">
+            <a:schemeClr val="lt1"/>
+          </a:fontRef>
+        </p:style>
+        <p:txBody>
+          <a:bodyPr rtlCol="0" anchor="ctr"/>
+          <a:lstStyle/>
+          <a:p>
+            <a:pPr algn="ctr"/>
+            <a:endParaRPr lang="en-US" dirty="0">
+              <a:solidFill>
+                <a:srgbClr val="FFFFFF"/>
+              </a:solidFill>
+            </a:endParaRPr>
+          </a:p>
+        </p:txBody>
+      </p:sp>
+      <p:sp>
+        <p:nvSpPr>
+          <p:cNvPr id="12" name="Rectangle 11">
+            <a:extLst>
+              <a:ext uri="{FF2B5EF4-FFF2-40B4-BE49-F238E27FC236}">
+                <a16:creationId xmlns:a16="http://schemas.microsoft.com/office/drawing/2014/main" id="{1C091803-41C2-48E0-9228-5148460C7479}"/>
+              </a:ext>
+              <a:ext uri="{C183D7F6-B498-43B3-948B-1728B52AA6E4}">
+                <adec:decorative xmlns:adec="http://schemas.microsoft.com/office/drawing/2017/decorative" val="1"/>
+              </a:ext>
+            </a:extLst>
+          </p:cNvPr>
+          <p:cNvSpPr>
+            <a:spLocks noGrp="1" noRot="1" noChangeAspect="1" noMove="1" noResize="1" noEditPoints="1" noAdjustHandles="1" noChangeArrowheads="1" noChangeShapeType="1" noTextEdit="1"/>
+          </p:cNvSpPr>
+          <p:nvPr>
+            <p:extLst>
+              <p:ext uri="{386F3935-93C4-4BCD-93E2-E3B085C9AB24}">
+                <p16:designElem xmlns:p16="http://schemas.microsoft.com/office/powerpoint/2015/main" val="1"/>
+              </p:ext>
+            </p:extLst>
+          </p:nvPr>
+        </p:nvSpPr>
+        <p:spPr>
+          <a:xfrm>
+            <a:off x="4044603" y="448055"/>
+            <a:ext cx="7688475" cy="5952745"/>
+          </a:xfrm>
+          <a:prstGeom prst="rect">
+            <a:avLst/>
+          </a:prstGeom>
+          <a:solidFill>
+            <a:schemeClr val="tx1">
+              <a:lumMod val="50000"/>
+              <a:lumOff val="50000"/>
+              <a:alpha val="20000"/>
+            </a:schemeClr>
+          </a:solidFill>
+          <a:ln>
+            <a:noFill/>
+          </a:ln>
+        </p:spPr>
+        <p:style>
+          <a:lnRef idx="2">
+            <a:schemeClr val="accent1">
+              <a:shade val="50000"/>
+            </a:schemeClr>
+          </a:lnRef>
+          <a:fillRef idx="1">
+            <a:schemeClr val="accent1"/>
+          </a:fillRef>
+          <a:effectRef idx="0">
+            <a:schemeClr val="accent1"/>
+          </a:effectRef>
+          <a:fontRef idx="minor">
+            <a:schemeClr val="lt1"/>
+          </a:fontRef>
+        </p:style>
+        <p:txBody>
+          <a:bodyPr rtlCol="0" anchor="ctr"/>
+          <a:lstStyle/>
+          <a:p>
+            <a:pPr algn="ctr"/>
+            <a:endParaRPr lang="en-US"/>
           </a:p>
         </p:txBody>
       </p:sp>
@@ -7691,7 +8188,7 @@
           <p:cNvPr id="3" name="Marcador de contenido 2">
             <a:extLst>
               <a:ext uri="{FF2B5EF4-FFF2-40B4-BE49-F238E27FC236}">
-                <a16:creationId xmlns:a16="http://schemas.microsoft.com/office/drawing/2014/main" id="{579BAF02-1E04-3F4B-C876-5A33FC09ACD6}"/>
+                <a16:creationId xmlns:a16="http://schemas.microsoft.com/office/drawing/2014/main" id="{F831F778-91EF-E605-E749-2DD560933581}"/>
               </a:ext>
             </a:extLst>
           </p:cNvPr>
@@ -7702,19 +8199,3167 @@
             <p:ph idx="1"/>
           </p:nvPr>
         </p:nvSpPr>
-        <p:spPr/>
-        <p:txBody>
-          <a:bodyPr/>
-          <a:lstStyle/>
-          <a:p>
-            <a:endParaRPr lang="es-ES"/>
+        <p:spPr>
+          <a:xfrm>
+            <a:off x="4379709" y="686862"/>
+            <a:ext cx="7037591" cy="5475129"/>
+          </a:xfrm>
+        </p:spPr>
+        <p:txBody>
+          <a:bodyPr anchor="ctr">
+            <a:normAutofit/>
+          </a:bodyPr>
+          <a:lstStyle/>
+          <a:p>
+            <a:pPr algn="just"/>
+            <a:r>
+              <a:rPr lang="es-ES" sz="2000" dirty="0">
+                <a:latin typeface="Arial" panose="020B0604020202020204" pitchFamily="34" charset="0"/>
+              </a:rPr>
+              <a:t>Un </a:t>
+            </a:r>
+            <a:r>
+              <a:rPr lang="es-ES" sz="2000" dirty="0" err="1">
+                <a:latin typeface="Arial" panose="020B0604020202020204" pitchFamily="34" charset="0"/>
+              </a:rPr>
+              <a:t>report</a:t>
+            </a:r>
+            <a:r>
+              <a:rPr lang="es-ES" sz="2000" dirty="0">
+                <a:latin typeface="Arial" panose="020B0604020202020204" pitchFamily="34" charset="0"/>
+              </a:rPr>
+              <a:t>, se divide en varias partes que están previamente divididas o diferenciadas por defecto.</a:t>
+            </a:r>
+          </a:p>
+          <a:p>
+            <a:pPr algn="just"/>
+            <a:r>
+              <a:rPr lang="es-ES" sz="2000" dirty="0">
+                <a:latin typeface="Arial" panose="020B0604020202020204" pitchFamily="34" charset="0"/>
+              </a:rPr>
+              <a:t>Contiene diferentes apartados pensados para estructurar mejor el informe, como cabeceras, pies, detalles de información...</a:t>
+            </a:r>
+          </a:p>
+          <a:p>
+            <a:pPr algn="just"/>
+            <a:r>
+              <a:rPr lang="es-ES" sz="2000" dirty="0">
+                <a:latin typeface="Arial" panose="020B0604020202020204" pitchFamily="34" charset="0"/>
+              </a:rPr>
+              <a:t>Estructurándose a su vez en otros elementos más pequeños.</a:t>
+            </a:r>
+          </a:p>
+          <a:p>
+            <a:pPr algn="just"/>
+            <a:r>
+              <a:rPr lang="es-ES" sz="2000" dirty="0">
+                <a:latin typeface="Arial" panose="020B0604020202020204" pitchFamily="34" charset="0"/>
+              </a:rPr>
+              <a:t>Contiene una parte que se repite en función del número de filas devueltas por la consulta definida, muy útil para dinamizar y facilitar la ejecución del informe.</a:t>
+            </a:r>
           </a:p>
         </p:txBody>
       </p:sp>
     </p:spTree>
     <p:extLst>
       <p:ext uri="{BB962C8B-B14F-4D97-AF65-F5344CB8AC3E}">
-        <p14:creationId xmlns:p14="http://schemas.microsoft.com/office/powerpoint/2010/main" val="2416577136"/>
+        <p14:creationId xmlns:p14="http://schemas.microsoft.com/office/powerpoint/2010/main" val="634724176"/>
+      </p:ext>
+    </p:extLst>
+  </p:cSld>
+  <p:clrMapOvr>
+    <a:masterClrMapping/>
+  </p:clrMapOvr>
+</p:sld>
+</file>
+
+<file path=ppt/slides/slide22.xml><?xml version="1.0" encoding="utf-8"?>
+<p:sld xmlns:a="http://schemas.openxmlformats.org/drawingml/2006/main" xmlns:r="http://schemas.openxmlformats.org/officeDocument/2006/relationships" xmlns:p="http://schemas.openxmlformats.org/presentationml/2006/main">
+  <p:cSld>
+    <p:bg>
+      <p:bgPr>
+        <a:solidFill>
+          <a:schemeClr val="bg1"/>
+        </a:solidFill>
+        <a:effectLst/>
+      </p:bgPr>
+    </p:bg>
+    <p:spTree>
+      <p:nvGrpSpPr>
+        <p:cNvPr id="1" name=""/>
+        <p:cNvGrpSpPr/>
+        <p:nvPr/>
+      </p:nvGrpSpPr>
+      <p:grpSpPr>
+        <a:xfrm>
+          <a:off x="0" y="0"/>
+          <a:ext cx="0" cy="0"/>
+          <a:chOff x="0" y="0"/>
+          <a:chExt cx="0" cy="0"/>
+        </a:xfrm>
+      </p:grpSpPr>
+      <p:sp>
+        <p:nvSpPr>
+          <p:cNvPr id="23" name="Rectangle 13">
+            <a:extLst>
+              <a:ext uri="{FF2B5EF4-FFF2-40B4-BE49-F238E27FC236}">
+                <a16:creationId xmlns:a16="http://schemas.microsoft.com/office/drawing/2014/main" id="{CDA1A2E9-63FE-408D-A803-8E306ECAB4B3}"/>
+              </a:ext>
+              <a:ext uri="{C183D7F6-B498-43B3-948B-1728B52AA6E4}">
+                <adec:decorative xmlns:adec="http://schemas.microsoft.com/office/drawing/2017/decorative" val="1"/>
+              </a:ext>
+            </a:extLst>
+          </p:cNvPr>
+          <p:cNvSpPr>
+            <a:spLocks noGrp="1" noRot="1" noChangeAspect="1" noMove="1" noResize="1" noEditPoints="1" noAdjustHandles="1" noChangeArrowheads="1" noChangeShapeType="1" noTextEdit="1"/>
+          </p:cNvSpPr>
+          <p:nvPr>
+            <p:extLst>
+              <p:ext uri="{386F3935-93C4-4BCD-93E2-E3B085C9AB24}">
+                <p16:designElem xmlns:p16="http://schemas.microsoft.com/office/powerpoint/2015/main" val="1"/>
+              </p:ext>
+            </p:extLst>
+          </p:nvPr>
+        </p:nvSpPr>
+        <p:spPr>
+          <a:xfrm>
+            <a:off x="462058" y="450221"/>
+            <a:ext cx="11272742" cy="3918123"/>
+          </a:xfrm>
+          <a:prstGeom prst="rect">
+            <a:avLst/>
+          </a:prstGeom>
+          <a:solidFill>
+            <a:srgbClr val="595959"/>
+          </a:solidFill>
+          <a:ln w="25400">
+            <a:noFill/>
+          </a:ln>
+        </p:spPr>
+        <p:style>
+          <a:lnRef idx="2">
+            <a:schemeClr val="accent1">
+              <a:shade val="50000"/>
+            </a:schemeClr>
+          </a:lnRef>
+          <a:fillRef idx="1">
+            <a:schemeClr val="accent1"/>
+          </a:fillRef>
+          <a:effectRef idx="0">
+            <a:schemeClr val="accent1"/>
+          </a:effectRef>
+          <a:fontRef idx="minor">
+            <a:schemeClr val="lt1"/>
+          </a:fontRef>
+        </p:style>
+        <p:txBody>
+          <a:bodyPr rtlCol="0" anchor="ctr"/>
+          <a:lstStyle/>
+          <a:p>
+            <a:pPr marL="0" marR="0" lvl="0" indent="0" algn="ctr" defTabSz="914400" rtl="0" eaLnBrk="1" fontAlgn="auto" latinLnBrk="0" hangingPunct="1">
+              <a:lnSpc>
+                <a:spcPct val="100000"/>
+              </a:lnSpc>
+              <a:spcBef>
+                <a:spcPts val="0"/>
+              </a:spcBef>
+              <a:spcAft>
+                <a:spcPts val="0"/>
+              </a:spcAft>
+              <a:buClrTx/>
+              <a:buSzTx/>
+              <a:buFontTx/>
+              <a:buNone/>
+              <a:tabLst/>
+              <a:defRPr/>
+            </a:pPr>
+            <a:endParaRPr kumimoji="0" lang="en-US" sz="1800" b="0" i="0" u="none" strike="noStrike" kern="1200" cap="none" spc="0" normalizeH="0" baseline="0" noProof="0">
+              <a:ln>
+                <a:noFill/>
+              </a:ln>
+              <a:solidFill>
+                <a:srgbClr val="FFFFFF"/>
+              </a:solidFill>
+              <a:effectLst/>
+              <a:uLnTx/>
+              <a:uFillTx/>
+              <a:latin typeface="Calibri" panose="020F0502020204030204"/>
+              <a:ea typeface="+mn-ea"/>
+              <a:cs typeface="+mn-cs"/>
+            </a:endParaRPr>
+          </a:p>
+        </p:txBody>
+      </p:sp>
+      <p:sp>
+        <p:nvSpPr>
+          <p:cNvPr id="2" name="Título 1">
+            <a:extLst>
+              <a:ext uri="{FF2B5EF4-FFF2-40B4-BE49-F238E27FC236}">
+                <a16:creationId xmlns:a16="http://schemas.microsoft.com/office/drawing/2014/main" id="{FFE314A9-8F49-89CD-F349-C151D36E85AD}"/>
+              </a:ext>
+            </a:extLst>
+          </p:cNvPr>
+          <p:cNvSpPr>
+            <a:spLocks noGrp="1"/>
+          </p:cNvSpPr>
+          <p:nvPr>
+            <p:ph type="title"/>
+          </p:nvPr>
+        </p:nvSpPr>
+        <p:spPr>
+          <a:xfrm>
+            <a:off x="1100669" y="1097339"/>
+            <a:ext cx="10011831" cy="2623885"/>
+          </a:xfrm>
+        </p:spPr>
+        <p:txBody>
+          <a:bodyPr vert="horz" lIns="91440" tIns="45720" rIns="91440" bIns="45720" rtlCol="0" anchor="ctr">
+            <a:normAutofit fontScale="90000"/>
+          </a:bodyPr>
+          <a:lstStyle/>
+          <a:p>
+            <a:pPr algn="ctr"/>
+            <a:r>
+              <a:rPr lang="en-US" sz="6600" kern="1200" dirty="0">
+                <a:solidFill>
+                  <a:srgbClr val="FFFFFF"/>
+                </a:solidFill>
+                <a:latin typeface="+mj-lt"/>
+                <a:ea typeface="+mj-ea"/>
+                <a:cs typeface="+mj-cs"/>
+              </a:rPr>
+              <a:t>DEMO: GENERANDO EL PRIMER REPORT CON PENTAHO</a:t>
+            </a:r>
+          </a:p>
+        </p:txBody>
+      </p:sp>
+      <p:sp>
+        <p:nvSpPr>
+          <p:cNvPr id="25" name="Rectangle 15">
+            <a:extLst>
+              <a:ext uri="{FF2B5EF4-FFF2-40B4-BE49-F238E27FC236}">
+                <a16:creationId xmlns:a16="http://schemas.microsoft.com/office/drawing/2014/main" id="{DAE8F46F-D590-45CD-AF41-A04DC11D1BB4}"/>
+              </a:ext>
+              <a:ext uri="{C183D7F6-B498-43B3-948B-1728B52AA6E4}">
+                <adec:decorative xmlns:adec="http://schemas.microsoft.com/office/drawing/2017/decorative" val="1"/>
+              </a:ext>
+            </a:extLst>
+          </p:cNvPr>
+          <p:cNvSpPr>
+            <a:spLocks noGrp="1" noRot="1" noChangeAspect="1" noMove="1" noResize="1" noEditPoints="1" noAdjustHandles="1" noChangeArrowheads="1" noChangeShapeType="1" noTextEdit="1"/>
+          </p:cNvSpPr>
+          <p:nvPr>
+            <p:extLst>
+              <p:ext uri="{386F3935-93C4-4BCD-93E2-E3B085C9AB24}">
+                <p16:designElem xmlns:p16="http://schemas.microsoft.com/office/powerpoint/2015/main" val="1"/>
+              </p:ext>
+            </p:extLst>
+          </p:nvPr>
+        </p:nvSpPr>
+        <p:spPr>
+          <a:xfrm>
+            <a:off x="457200" y="4517136"/>
+            <a:ext cx="2112264" cy="1892808"/>
+          </a:xfrm>
+          <a:prstGeom prst="rect">
+            <a:avLst/>
+          </a:prstGeom>
+          <a:solidFill>
+            <a:schemeClr val="accent1">
+              <a:alpha val="95000"/>
+            </a:schemeClr>
+          </a:solidFill>
+          <a:ln w="25400">
+            <a:noFill/>
+          </a:ln>
+        </p:spPr>
+        <p:style>
+          <a:lnRef idx="2">
+            <a:schemeClr val="accent1">
+              <a:shade val="50000"/>
+            </a:schemeClr>
+          </a:lnRef>
+          <a:fillRef idx="1">
+            <a:schemeClr val="accent1"/>
+          </a:fillRef>
+          <a:effectRef idx="0">
+            <a:schemeClr val="accent1"/>
+          </a:effectRef>
+          <a:fontRef idx="minor">
+            <a:schemeClr val="lt1"/>
+          </a:fontRef>
+        </p:style>
+        <p:txBody>
+          <a:bodyPr rtlCol="0" anchor="ctr"/>
+          <a:lstStyle/>
+          <a:p>
+            <a:pPr marL="0" marR="0" lvl="0" indent="0" algn="ctr" defTabSz="914400" rtl="0" eaLnBrk="1" fontAlgn="auto" latinLnBrk="0" hangingPunct="1">
+              <a:lnSpc>
+                <a:spcPct val="100000"/>
+              </a:lnSpc>
+              <a:spcBef>
+                <a:spcPts val="0"/>
+              </a:spcBef>
+              <a:spcAft>
+                <a:spcPts val="0"/>
+              </a:spcAft>
+              <a:buClrTx/>
+              <a:buSzTx/>
+              <a:buFontTx/>
+              <a:buNone/>
+              <a:tabLst/>
+              <a:defRPr/>
+            </a:pPr>
+            <a:endParaRPr kumimoji="0" lang="en-US" sz="1800" b="0" i="0" u="none" strike="noStrike" kern="1200" cap="none" spc="0" normalizeH="0" baseline="0" noProof="0">
+              <a:ln>
+                <a:noFill/>
+              </a:ln>
+              <a:solidFill>
+                <a:srgbClr val="FFFFFF"/>
+              </a:solidFill>
+              <a:effectLst/>
+              <a:uLnTx/>
+              <a:uFillTx/>
+              <a:latin typeface="Calibri" panose="020F0502020204030204"/>
+              <a:ea typeface="+mn-ea"/>
+              <a:cs typeface="+mn-cs"/>
+            </a:endParaRPr>
+          </a:p>
+        </p:txBody>
+      </p:sp>
+      <p:sp>
+        <p:nvSpPr>
+          <p:cNvPr id="26" name="Rectangle 17">
+            <a:extLst>
+              <a:ext uri="{FF2B5EF4-FFF2-40B4-BE49-F238E27FC236}">
+                <a16:creationId xmlns:a16="http://schemas.microsoft.com/office/drawing/2014/main" id="{FBE9F90C-C163-435B-9A68-D15C92D1CF2B}"/>
+              </a:ext>
+              <a:ext uri="{C183D7F6-B498-43B3-948B-1728B52AA6E4}">
+                <adec:decorative xmlns:adec="http://schemas.microsoft.com/office/drawing/2017/decorative" val="1"/>
+              </a:ext>
+            </a:extLst>
+          </p:cNvPr>
+          <p:cNvSpPr>
+            <a:spLocks noGrp="1" noRot="1" noChangeAspect="1" noMove="1" noResize="1" noEditPoints="1" noAdjustHandles="1" noChangeArrowheads="1" noChangeShapeType="1" noTextEdit="1"/>
+          </p:cNvSpPr>
+          <p:nvPr>
+            <p:extLst>
+              <p:ext uri="{386F3935-93C4-4BCD-93E2-E3B085C9AB24}">
+                <p16:designElem xmlns:p16="http://schemas.microsoft.com/office/powerpoint/2015/main" val="1"/>
+              </p:ext>
+            </p:extLst>
+          </p:nvPr>
+        </p:nvSpPr>
+        <p:spPr>
+          <a:xfrm>
+            <a:off x="2733989" y="4521269"/>
+            <a:ext cx="6720830" cy="1877811"/>
+          </a:xfrm>
+          <a:prstGeom prst="rect">
+            <a:avLst/>
+          </a:prstGeom>
+          <a:solidFill>
+            <a:srgbClr val="7F7F7F">
+              <a:alpha val="20000"/>
+            </a:srgbClr>
+          </a:solidFill>
+          <a:ln w="25400">
+            <a:noFill/>
+          </a:ln>
+        </p:spPr>
+        <p:style>
+          <a:lnRef idx="2">
+            <a:schemeClr val="accent1">
+              <a:shade val="50000"/>
+            </a:schemeClr>
+          </a:lnRef>
+          <a:fillRef idx="1">
+            <a:schemeClr val="accent1"/>
+          </a:fillRef>
+          <a:effectRef idx="0">
+            <a:schemeClr val="accent1"/>
+          </a:effectRef>
+          <a:fontRef idx="minor">
+            <a:schemeClr val="lt1"/>
+          </a:fontRef>
+        </p:style>
+        <p:txBody>
+          <a:bodyPr rtlCol="0" anchor="ctr"/>
+          <a:lstStyle/>
+          <a:p>
+            <a:pPr marL="0" marR="0" lvl="0" indent="0" algn="ctr" defTabSz="914400" rtl="0" eaLnBrk="1" fontAlgn="auto" latinLnBrk="0" hangingPunct="1">
+              <a:lnSpc>
+                <a:spcPct val="100000"/>
+              </a:lnSpc>
+              <a:spcBef>
+                <a:spcPts val="0"/>
+              </a:spcBef>
+              <a:spcAft>
+                <a:spcPts val="0"/>
+              </a:spcAft>
+              <a:buClrTx/>
+              <a:buSzTx/>
+              <a:buFontTx/>
+              <a:buNone/>
+              <a:tabLst/>
+              <a:defRPr/>
+            </a:pPr>
+            <a:endParaRPr kumimoji="0" lang="en-US" sz="1800" b="0" i="0" u="none" strike="noStrike" kern="1200" cap="none" spc="0" normalizeH="0" baseline="0" noProof="0">
+              <a:ln>
+                <a:noFill/>
+              </a:ln>
+              <a:solidFill>
+                <a:srgbClr val="FFFFFF"/>
+              </a:solidFill>
+              <a:effectLst/>
+              <a:uLnTx/>
+              <a:uFillTx/>
+              <a:latin typeface="Calibri" panose="020F0502020204030204"/>
+              <a:ea typeface="+mn-ea"/>
+              <a:cs typeface="+mn-cs"/>
+            </a:endParaRPr>
+          </a:p>
+        </p:txBody>
+      </p:sp>
+      <p:sp>
+        <p:nvSpPr>
+          <p:cNvPr id="27" name="Rectangle 19">
+            <a:extLst>
+              <a:ext uri="{FF2B5EF4-FFF2-40B4-BE49-F238E27FC236}">
+                <a16:creationId xmlns:a16="http://schemas.microsoft.com/office/drawing/2014/main" id="{1A882A9F-F4E9-4E23-8F0B-20B5DF42EAA9}"/>
+              </a:ext>
+              <a:ext uri="{C183D7F6-B498-43B3-948B-1728B52AA6E4}">
+                <adec:decorative xmlns:adec="http://schemas.microsoft.com/office/drawing/2017/decorative" val="1"/>
+              </a:ext>
+            </a:extLst>
+          </p:cNvPr>
+          <p:cNvSpPr>
+            <a:spLocks noGrp="1" noRot="1" noChangeAspect="1" noMove="1" noResize="1" noEditPoints="1" noAdjustHandles="1" noChangeArrowheads="1" noChangeShapeType="1" noTextEdit="1"/>
+          </p:cNvSpPr>
+          <p:nvPr>
+            <p:extLst>
+              <p:ext uri="{386F3935-93C4-4BCD-93E2-E3B085C9AB24}">
+                <p16:designElem xmlns:p16="http://schemas.microsoft.com/office/powerpoint/2015/main" val="1"/>
+              </p:ext>
+            </p:extLst>
+          </p:nvPr>
+        </p:nvSpPr>
+        <p:spPr>
+          <a:xfrm>
+            <a:off x="9619345" y="4521270"/>
+            <a:ext cx="2115455" cy="1890204"/>
+          </a:xfrm>
+          <a:prstGeom prst="rect">
+            <a:avLst/>
+          </a:prstGeom>
+          <a:solidFill>
+            <a:srgbClr val="A5A5A5"/>
+          </a:solidFill>
+          <a:ln w="25400">
+            <a:noFill/>
+          </a:ln>
+        </p:spPr>
+        <p:style>
+          <a:lnRef idx="2">
+            <a:schemeClr val="accent1">
+              <a:shade val="50000"/>
+            </a:schemeClr>
+          </a:lnRef>
+          <a:fillRef idx="1">
+            <a:schemeClr val="accent1"/>
+          </a:fillRef>
+          <a:effectRef idx="0">
+            <a:schemeClr val="accent1"/>
+          </a:effectRef>
+          <a:fontRef idx="minor">
+            <a:schemeClr val="lt1"/>
+          </a:fontRef>
+        </p:style>
+        <p:txBody>
+          <a:bodyPr rtlCol="0" anchor="ctr"/>
+          <a:lstStyle/>
+          <a:p>
+            <a:pPr marL="0" marR="0" lvl="0" indent="0" algn="ctr" defTabSz="914400" rtl="0" eaLnBrk="1" fontAlgn="auto" latinLnBrk="0" hangingPunct="1">
+              <a:lnSpc>
+                <a:spcPct val="100000"/>
+              </a:lnSpc>
+              <a:spcBef>
+                <a:spcPts val="0"/>
+              </a:spcBef>
+              <a:spcAft>
+                <a:spcPts val="0"/>
+              </a:spcAft>
+              <a:buClrTx/>
+              <a:buSzTx/>
+              <a:buFontTx/>
+              <a:buNone/>
+              <a:tabLst/>
+              <a:defRPr/>
+            </a:pPr>
+            <a:endParaRPr kumimoji="0" lang="en-US" sz="1800" b="0" i="0" u="none" strike="noStrike" kern="1200" cap="none" spc="0" normalizeH="0" baseline="0" noProof="0">
+              <a:ln>
+                <a:noFill/>
+              </a:ln>
+              <a:solidFill>
+                <a:srgbClr val="FFFFFF"/>
+              </a:solidFill>
+              <a:effectLst/>
+              <a:uLnTx/>
+              <a:uFillTx/>
+              <a:latin typeface="Calibri" panose="020F0502020204030204"/>
+              <a:ea typeface="+mn-ea"/>
+              <a:cs typeface="+mn-cs"/>
+            </a:endParaRPr>
+          </a:p>
+        </p:txBody>
+      </p:sp>
+    </p:spTree>
+    <p:extLst>
+      <p:ext uri="{BB962C8B-B14F-4D97-AF65-F5344CB8AC3E}">
+        <p14:creationId xmlns:p14="http://schemas.microsoft.com/office/powerpoint/2010/main" val="293811492"/>
+      </p:ext>
+    </p:extLst>
+  </p:cSld>
+  <p:clrMapOvr>
+    <a:masterClrMapping/>
+  </p:clrMapOvr>
+</p:sld>
+</file>
+
+<file path=ppt/slides/slide23.xml><?xml version="1.0" encoding="utf-8"?>
+<p:sld xmlns:a="http://schemas.openxmlformats.org/drawingml/2006/main" xmlns:r="http://schemas.openxmlformats.org/officeDocument/2006/relationships" xmlns:p="http://schemas.openxmlformats.org/presentationml/2006/main">
+  <p:cSld>
+    <p:bg>
+      <p:bgPr>
+        <a:solidFill>
+          <a:schemeClr val="bg1"/>
+        </a:solidFill>
+        <a:effectLst/>
+      </p:bgPr>
+    </p:bg>
+    <p:spTree>
+      <p:nvGrpSpPr>
+        <p:cNvPr id="1" name=""/>
+        <p:cNvGrpSpPr/>
+        <p:nvPr/>
+      </p:nvGrpSpPr>
+      <p:grpSpPr>
+        <a:xfrm>
+          <a:off x="0" y="0"/>
+          <a:ext cx="0" cy="0"/>
+          <a:chOff x="0" y="0"/>
+          <a:chExt cx="0" cy="0"/>
+        </a:xfrm>
+      </p:grpSpPr>
+      <p:sp>
+        <p:nvSpPr>
+          <p:cNvPr id="67" name="Rectangle 66">
+            <a:extLst>
+              <a:ext uri="{FF2B5EF4-FFF2-40B4-BE49-F238E27FC236}">
+                <a16:creationId xmlns:a16="http://schemas.microsoft.com/office/drawing/2014/main" id="{3B8A6984-1230-49D7-B72E-DE41BBFCC08E}"/>
+              </a:ext>
+              <a:ext uri="{C183D7F6-B498-43B3-948B-1728B52AA6E4}">
+                <adec:decorative xmlns:adec="http://schemas.microsoft.com/office/drawing/2017/decorative" val="1"/>
+              </a:ext>
+            </a:extLst>
+          </p:cNvPr>
+          <p:cNvSpPr>
+            <a:spLocks noGrp="1" noRot="1" noChangeAspect="1" noMove="1" noResize="1" noEditPoints="1" noAdjustHandles="1" noChangeArrowheads="1" noChangeShapeType="1" noTextEdit="1"/>
+          </p:cNvSpPr>
+          <p:nvPr>
+            <p:extLst>
+              <p:ext uri="{386F3935-93C4-4BCD-93E2-E3B085C9AB24}">
+                <p16:designElem xmlns:p16="http://schemas.microsoft.com/office/powerpoint/2015/main" val="1"/>
+              </p:ext>
+            </p:extLst>
+          </p:nvPr>
+        </p:nvSpPr>
+        <p:spPr>
+          <a:xfrm>
+            <a:off x="0" y="0"/>
+            <a:ext cx="12192000" cy="6858000"/>
+          </a:xfrm>
+          <a:prstGeom prst="rect">
+            <a:avLst/>
+          </a:prstGeom>
+          <a:solidFill>
+            <a:schemeClr val="bg1"/>
+          </a:solidFill>
+          <a:ln w="12700" cap="flat" cmpd="sng" algn="ctr">
+            <a:noFill/>
+            <a:prstDash val="solid"/>
+            <a:miter lim="800000"/>
+          </a:ln>
+          <a:effectLst/>
+          <a:extLst>
+            <a:ext uri="{91240B29-F687-4F45-9708-019B960494DF}">
+              <a14:hiddenLine xmlns:a14="http://schemas.microsoft.com/office/drawing/2010/main" w="12700" cap="flat" cmpd="sng" algn="ctr">
+                <a:solidFill>
+                  <a:schemeClr val="accent1">
+                    <a:shade val="50000"/>
+                  </a:schemeClr>
+                </a:solidFill>
+                <a:prstDash val="solid"/>
+                <a:miter lim="800000"/>
+              </a14:hiddenLine>
+            </a:ext>
+          </a:extLst>
+        </p:spPr>
+        <p:style>
+          <a:lnRef idx="2">
+            <a:schemeClr val="accent1">
+              <a:shade val="50000"/>
+            </a:schemeClr>
+          </a:lnRef>
+          <a:fillRef idx="1">
+            <a:schemeClr val="accent1"/>
+          </a:fillRef>
+          <a:effectRef idx="0">
+            <a:schemeClr val="accent1"/>
+          </a:effectRef>
+          <a:fontRef idx="minor">
+            <a:schemeClr val="lt1"/>
+          </a:fontRef>
+        </p:style>
+        <p:txBody>
+          <a:bodyPr rtlCol="0" anchor="ctr"/>
+          <a:lstStyle/>
+          <a:p>
+            <a:pPr marL="0" marR="0" lvl="0" indent="0" algn="ctr" defTabSz="914400" rtl="0" eaLnBrk="1" fontAlgn="auto" latinLnBrk="0" hangingPunct="1">
+              <a:lnSpc>
+                <a:spcPct val="100000"/>
+              </a:lnSpc>
+              <a:spcBef>
+                <a:spcPts val="0"/>
+              </a:spcBef>
+              <a:spcAft>
+                <a:spcPts val="0"/>
+              </a:spcAft>
+              <a:buClrTx/>
+              <a:buSzTx/>
+              <a:buFontTx/>
+              <a:buNone/>
+              <a:tabLst/>
+              <a:defRPr/>
+            </a:pPr>
+            <a:endParaRPr kumimoji="0" lang="en-US" sz="1800" b="0" i="0" u="none" strike="noStrike" kern="1200" cap="none" spc="0" normalizeH="0" baseline="0" noProof="0">
+              <a:ln>
+                <a:noFill/>
+              </a:ln>
+              <a:solidFill>
+                <a:prstClr val="white"/>
+              </a:solidFill>
+              <a:effectLst/>
+              <a:uLnTx/>
+              <a:uFillTx/>
+              <a:latin typeface="Calibri" panose="020F0502020204030204"/>
+              <a:ea typeface="+mn-ea"/>
+              <a:cs typeface="+mn-cs"/>
+            </a:endParaRPr>
+          </a:p>
+        </p:txBody>
+      </p:sp>
+      <p:sp>
+        <p:nvSpPr>
+          <p:cNvPr id="69" name="Rectangle 68">
+            <a:extLst>
+              <a:ext uri="{FF2B5EF4-FFF2-40B4-BE49-F238E27FC236}">
+                <a16:creationId xmlns:a16="http://schemas.microsoft.com/office/drawing/2014/main" id="{EBF87945-A001-489F-9D9B-7D9435F0B9CA}"/>
+              </a:ext>
+              <a:ext uri="{C183D7F6-B498-43B3-948B-1728B52AA6E4}">
+                <adec:decorative xmlns:adec="http://schemas.microsoft.com/office/drawing/2017/decorative" val="1"/>
+              </a:ext>
+            </a:extLst>
+          </p:cNvPr>
+          <p:cNvSpPr>
+            <a:spLocks noGrp="1" noRot="1" noChangeAspect="1" noMove="1" noResize="1" noEditPoints="1" noAdjustHandles="1" noChangeArrowheads="1" noChangeShapeType="1" noTextEdit="1"/>
+          </p:cNvSpPr>
+          <p:nvPr>
+            <p:extLst>
+              <p:ext uri="{386F3935-93C4-4BCD-93E2-E3B085C9AB24}">
+                <p16:designElem xmlns:p16="http://schemas.microsoft.com/office/powerpoint/2015/main" val="1"/>
+              </p:ext>
+            </p:extLst>
+          </p:nvPr>
+        </p:nvSpPr>
+        <p:spPr>
+          <a:xfrm>
+            <a:off x="0" y="1"/>
+            <a:ext cx="12192000" cy="1911096"/>
+          </a:xfrm>
+          <a:prstGeom prst="rect">
+            <a:avLst/>
+          </a:prstGeom>
+          <a:solidFill>
+            <a:schemeClr val="tx1">
+              <a:lumMod val="75000"/>
+              <a:lumOff val="25000"/>
+            </a:schemeClr>
+          </a:solidFill>
+          <a:ln>
+            <a:noFill/>
+          </a:ln>
+        </p:spPr>
+        <p:style>
+          <a:lnRef idx="2">
+            <a:schemeClr val="accent1">
+              <a:shade val="50000"/>
+            </a:schemeClr>
+          </a:lnRef>
+          <a:fillRef idx="1">
+            <a:schemeClr val="accent1"/>
+          </a:fillRef>
+          <a:effectRef idx="0">
+            <a:schemeClr val="accent1"/>
+          </a:effectRef>
+          <a:fontRef idx="minor">
+            <a:schemeClr val="lt1"/>
+          </a:fontRef>
+        </p:style>
+        <p:txBody>
+          <a:bodyPr rtlCol="0" anchor="ctr"/>
+          <a:lstStyle/>
+          <a:p>
+            <a:pPr marL="0" marR="0" lvl="0" indent="0" algn="ctr" defTabSz="914400" rtl="0" eaLnBrk="1" fontAlgn="auto" latinLnBrk="0" hangingPunct="1">
+              <a:lnSpc>
+                <a:spcPct val="100000"/>
+              </a:lnSpc>
+              <a:spcBef>
+                <a:spcPts val="0"/>
+              </a:spcBef>
+              <a:spcAft>
+                <a:spcPts val="0"/>
+              </a:spcAft>
+              <a:buClrTx/>
+              <a:buSzTx/>
+              <a:buFontTx/>
+              <a:buNone/>
+              <a:tabLst/>
+              <a:defRPr/>
+            </a:pPr>
+            <a:endParaRPr kumimoji="0" lang="en-US" sz="1800" b="0" i="0" u="none" strike="noStrike" kern="1200" cap="none" spc="0" normalizeH="0" baseline="0" noProof="0">
+              <a:ln>
+                <a:noFill/>
+              </a:ln>
+              <a:solidFill>
+                <a:prstClr val="white"/>
+              </a:solidFill>
+              <a:effectLst/>
+              <a:uLnTx/>
+              <a:uFillTx/>
+              <a:latin typeface="Calibri" panose="020F0502020204030204"/>
+              <a:ea typeface="+mn-ea"/>
+              <a:cs typeface="+mn-cs"/>
+            </a:endParaRPr>
+          </a:p>
+        </p:txBody>
+      </p:sp>
+      <p:sp>
+        <p:nvSpPr>
+          <p:cNvPr id="2" name="Título 1">
+            <a:extLst>
+              <a:ext uri="{FF2B5EF4-FFF2-40B4-BE49-F238E27FC236}">
+                <a16:creationId xmlns:a16="http://schemas.microsoft.com/office/drawing/2014/main" id="{0E3B50E6-1A68-4820-1E17-2DC837A230AE}"/>
+              </a:ext>
+            </a:extLst>
+          </p:cNvPr>
+          <p:cNvSpPr>
+            <a:spLocks noGrp="1"/>
+          </p:cNvSpPr>
+          <p:nvPr>
+            <p:ph type="title"/>
+          </p:nvPr>
+        </p:nvSpPr>
+        <p:spPr>
+          <a:xfrm>
+            <a:off x="838200" y="365760"/>
+            <a:ext cx="10515600" cy="1325563"/>
+          </a:xfrm>
+        </p:spPr>
+        <p:txBody>
+          <a:bodyPr>
+            <a:normAutofit/>
+          </a:bodyPr>
+          <a:lstStyle/>
+          <a:p>
+            <a:r>
+              <a:rPr lang="es-ES">
+                <a:solidFill>
+                  <a:schemeClr val="bg1"/>
+                </a:solidFill>
+              </a:rPr>
+              <a:t>¿Qué es un cubo Mondrian?</a:t>
+            </a:r>
+          </a:p>
+        </p:txBody>
+      </p:sp>
+      <p:pic>
+        <p:nvPicPr>
+          <p:cNvPr id="5" name="Imagen 4" descr="Interfaz de usuario gráfica, Aplicación&#10;&#10;Descripción generada automáticamente">
+            <a:extLst>
+              <a:ext uri="{FF2B5EF4-FFF2-40B4-BE49-F238E27FC236}">
+                <a16:creationId xmlns:a16="http://schemas.microsoft.com/office/drawing/2014/main" id="{17A28F4E-A3A3-21AA-B670-072A9A31745A}"/>
+              </a:ext>
+            </a:extLst>
+          </p:cNvPr>
+          <p:cNvPicPr>
+            <a:picLocks noChangeAspect="1"/>
+          </p:cNvPicPr>
+          <p:nvPr/>
+        </p:nvPicPr>
+        <p:blipFill rotWithShape="1">
+          <a:blip r:embed="rId2">
+            <a:extLst>
+              <a:ext uri="{28A0092B-C50C-407E-A947-70E740481C1C}">
+                <a14:useLocalDpi xmlns:a14="http://schemas.microsoft.com/office/drawing/2010/main" val="0"/>
+              </a:ext>
+            </a:extLst>
+          </a:blip>
+          <a:srcRect t="937" r="2" b="944"/>
+          <a:stretch/>
+        </p:blipFill>
+        <p:spPr>
+          <a:xfrm>
+            <a:off x="841248" y="2276857"/>
+            <a:ext cx="5015484" cy="3900106"/>
+          </a:xfrm>
+          <a:prstGeom prst="rect">
+            <a:avLst/>
+          </a:prstGeom>
+        </p:spPr>
+      </p:pic>
+      <p:sp>
+        <p:nvSpPr>
+          <p:cNvPr id="3" name="Marcador de contenido 2">
+            <a:extLst>
+              <a:ext uri="{FF2B5EF4-FFF2-40B4-BE49-F238E27FC236}">
+                <a16:creationId xmlns:a16="http://schemas.microsoft.com/office/drawing/2014/main" id="{921CB861-2BAC-281D-ECA7-C786FF188958}"/>
+              </a:ext>
+            </a:extLst>
+          </p:cNvPr>
+          <p:cNvSpPr>
+            <a:spLocks noGrp="1"/>
+          </p:cNvSpPr>
+          <p:nvPr>
+            <p:ph idx="1"/>
+          </p:nvPr>
+        </p:nvSpPr>
+        <p:spPr>
+          <a:xfrm>
+            <a:off x="6335270" y="2276857"/>
+            <a:ext cx="5015484" cy="3900106"/>
+          </a:xfrm>
+        </p:spPr>
+        <p:txBody>
+          <a:bodyPr anchor="ctr">
+            <a:normAutofit fontScale="92500" lnSpcReduction="10000"/>
+          </a:bodyPr>
+          <a:lstStyle/>
+          <a:p>
+            <a:pPr algn="just"/>
+            <a:r>
+              <a:rPr lang="es-ES" sz="2100" dirty="0"/>
+              <a:t>Un cubo </a:t>
+            </a:r>
+            <a:r>
+              <a:rPr lang="es-ES" sz="2100" dirty="0" err="1"/>
+              <a:t>mondrian</a:t>
+            </a:r>
+            <a:r>
+              <a:rPr lang="es-ES" sz="2100" dirty="0"/>
+              <a:t> es un archivo </a:t>
+            </a:r>
+            <a:r>
+              <a:rPr lang="es-ES" sz="2100" dirty="0" err="1"/>
+              <a:t>xml</a:t>
+            </a:r>
+            <a:r>
+              <a:rPr lang="es-ES" sz="2100" dirty="0"/>
+              <a:t>,</a:t>
+            </a:r>
+            <a:br>
+              <a:rPr lang="es-ES" sz="2100" dirty="0"/>
+            </a:br>
+            <a:r>
+              <a:rPr lang="es-ES" sz="2100" dirty="0"/>
+              <a:t>donde se definen las relaciones de las</a:t>
+            </a:r>
+            <a:br>
+              <a:rPr lang="es-ES" sz="2100" dirty="0"/>
+            </a:br>
+            <a:r>
+              <a:rPr lang="es-ES" sz="2100" dirty="0"/>
+              <a:t>tablas dimensionales con las tablas de</a:t>
+            </a:r>
+            <a:br>
+              <a:rPr lang="es-ES" sz="2100" dirty="0"/>
+            </a:br>
+            <a:r>
+              <a:rPr lang="es-ES" sz="2100" dirty="0"/>
+              <a:t>hechos, para transformar las tablas de</a:t>
+            </a:r>
+            <a:br>
+              <a:rPr lang="es-ES" sz="2100" dirty="0"/>
+            </a:br>
+            <a:r>
+              <a:rPr lang="es-ES" sz="2100" dirty="0"/>
+              <a:t>hechos en cubos y las tablas</a:t>
+            </a:r>
+            <a:br>
+              <a:rPr lang="es-ES" sz="2100" dirty="0"/>
+            </a:br>
+            <a:r>
+              <a:rPr lang="es-ES" sz="2100" dirty="0"/>
+              <a:t>dimensionales en dimensiones de este.</a:t>
+            </a:r>
+          </a:p>
+          <a:p>
+            <a:pPr algn="just"/>
+            <a:r>
+              <a:rPr lang="es-ES" sz="2100" dirty="0"/>
+              <a:t>Dado que se definen todas las relaciones y las columnas por la cual se hacen los </a:t>
+            </a:r>
+            <a:r>
+              <a:rPr lang="es-ES" sz="2100" dirty="0" err="1"/>
+              <a:t>joins</a:t>
+            </a:r>
+            <a:r>
+              <a:rPr lang="es-ES" sz="2100" dirty="0"/>
+              <a:t>, se simplifican bastante las consultas, a la vez que se optimizan.</a:t>
+            </a:r>
+          </a:p>
+          <a:p>
+            <a:pPr algn="just"/>
+            <a:r>
+              <a:rPr lang="es-ES" sz="2100" dirty="0"/>
+              <a:t>Este archivo, se confecciona con la</a:t>
+            </a:r>
+            <a:br>
+              <a:rPr lang="es-ES" sz="2100" dirty="0"/>
+            </a:br>
+            <a:r>
+              <a:rPr lang="es-ES" sz="2100" dirty="0"/>
+              <a:t>ayuda de Pentaho </a:t>
+            </a:r>
+            <a:r>
+              <a:rPr lang="es-ES" sz="2100" dirty="0" err="1"/>
+              <a:t>Schema</a:t>
+            </a:r>
+            <a:r>
+              <a:rPr lang="es-ES" sz="2100" dirty="0"/>
+              <a:t> </a:t>
+            </a:r>
+            <a:r>
+              <a:rPr lang="es-ES" sz="2100" dirty="0" err="1"/>
+              <a:t>Workbench</a:t>
+            </a:r>
+            <a:r>
+              <a:rPr lang="es-ES" sz="2100" dirty="0"/>
+              <a:t>.</a:t>
+            </a:r>
+          </a:p>
+          <a:p>
+            <a:pPr algn="just"/>
+            <a:r>
+              <a:rPr lang="es-ES" sz="2100" dirty="0"/>
+              <a:t>Puedes crear consultas MDX para comprobar la integridad del cubo u obtener datos.</a:t>
+            </a:r>
+          </a:p>
+        </p:txBody>
+      </p:sp>
+    </p:spTree>
+    <p:extLst>
+      <p:ext uri="{BB962C8B-B14F-4D97-AF65-F5344CB8AC3E}">
+        <p14:creationId xmlns:p14="http://schemas.microsoft.com/office/powerpoint/2010/main" val="384167760"/>
+      </p:ext>
+    </p:extLst>
+  </p:cSld>
+  <p:clrMapOvr>
+    <a:masterClrMapping/>
+  </p:clrMapOvr>
+</p:sld>
+</file>
+
+<file path=ppt/slides/slide24.xml><?xml version="1.0" encoding="utf-8"?>
+<p:sld xmlns:a="http://schemas.openxmlformats.org/drawingml/2006/main" xmlns:r="http://schemas.openxmlformats.org/officeDocument/2006/relationships" xmlns:p="http://schemas.openxmlformats.org/presentationml/2006/main">
+  <p:cSld>
+    <p:bg>
+      <p:bgPr>
+        <a:solidFill>
+          <a:schemeClr val="bg1"/>
+        </a:solidFill>
+        <a:effectLst/>
+      </p:bgPr>
+    </p:bg>
+    <p:spTree>
+      <p:nvGrpSpPr>
+        <p:cNvPr id="1" name=""/>
+        <p:cNvGrpSpPr/>
+        <p:nvPr/>
+      </p:nvGrpSpPr>
+      <p:grpSpPr>
+        <a:xfrm>
+          <a:off x="0" y="0"/>
+          <a:ext cx="0" cy="0"/>
+          <a:chOff x="0" y="0"/>
+          <a:chExt cx="0" cy="0"/>
+        </a:xfrm>
+      </p:grpSpPr>
+      <p:sp>
+        <p:nvSpPr>
+          <p:cNvPr id="8" name="Rectangle 7">
+            <a:extLst>
+              <a:ext uri="{FF2B5EF4-FFF2-40B4-BE49-F238E27FC236}">
+                <a16:creationId xmlns:a16="http://schemas.microsoft.com/office/drawing/2014/main" id="{B775CD93-9DF2-48CB-9F57-1BCA9A46C7FA}"/>
+              </a:ext>
+              <a:ext uri="{C183D7F6-B498-43B3-948B-1728B52AA6E4}">
+                <adec:decorative xmlns:adec="http://schemas.microsoft.com/office/drawing/2017/decorative" val="1"/>
+              </a:ext>
+            </a:extLst>
+          </p:cNvPr>
+          <p:cNvSpPr>
+            <a:spLocks noGrp="1" noRot="1" noChangeAspect="1" noMove="1" noResize="1" noEditPoints="1" noAdjustHandles="1" noChangeArrowheads="1" noChangeShapeType="1" noTextEdit="1"/>
+          </p:cNvSpPr>
+          <p:nvPr>
+            <p:extLst>
+              <p:ext uri="{386F3935-93C4-4BCD-93E2-E3B085C9AB24}">
+                <p16:designElem xmlns:p16="http://schemas.microsoft.com/office/powerpoint/2015/main" val="1"/>
+              </p:ext>
+            </p:extLst>
+          </p:nvPr>
+        </p:nvSpPr>
+        <p:spPr>
+          <a:xfrm>
+            <a:off x="466344" y="448055"/>
+            <a:ext cx="3414370" cy="3801257"/>
+          </a:xfrm>
+          <a:prstGeom prst="rect">
+            <a:avLst/>
+          </a:prstGeom>
+          <a:solidFill>
+            <a:srgbClr val="595959"/>
+          </a:solidFill>
+          <a:ln w="25400">
+            <a:noFill/>
+          </a:ln>
+        </p:spPr>
+        <p:style>
+          <a:lnRef idx="2">
+            <a:schemeClr val="accent1">
+              <a:shade val="50000"/>
+            </a:schemeClr>
+          </a:lnRef>
+          <a:fillRef idx="1">
+            <a:schemeClr val="accent1"/>
+          </a:fillRef>
+          <a:effectRef idx="0">
+            <a:schemeClr val="accent1"/>
+          </a:effectRef>
+          <a:fontRef idx="minor">
+            <a:schemeClr val="lt1"/>
+          </a:fontRef>
+        </p:style>
+        <p:txBody>
+          <a:bodyPr rtlCol="0" anchor="ctr"/>
+          <a:lstStyle/>
+          <a:p>
+            <a:pPr marL="0" marR="0" lvl="0" indent="0" algn="ctr" defTabSz="914400" rtl="0" eaLnBrk="1" fontAlgn="auto" latinLnBrk="0" hangingPunct="1">
+              <a:lnSpc>
+                <a:spcPct val="100000"/>
+              </a:lnSpc>
+              <a:spcBef>
+                <a:spcPts val="0"/>
+              </a:spcBef>
+              <a:spcAft>
+                <a:spcPts val="0"/>
+              </a:spcAft>
+              <a:buClrTx/>
+              <a:buSzTx/>
+              <a:buFontTx/>
+              <a:buNone/>
+              <a:tabLst/>
+              <a:defRPr/>
+            </a:pPr>
+            <a:endParaRPr kumimoji="0" lang="en-US" sz="1800" b="0" i="0" u="none" strike="noStrike" kern="1200" cap="none" spc="0" normalizeH="0" baseline="0" noProof="0">
+              <a:ln>
+                <a:noFill/>
+              </a:ln>
+              <a:solidFill>
+                <a:srgbClr val="FFFFFF"/>
+              </a:solidFill>
+              <a:effectLst/>
+              <a:uLnTx/>
+              <a:uFillTx/>
+              <a:latin typeface="Calibri" panose="020F0502020204030204"/>
+              <a:ea typeface="+mn-ea"/>
+              <a:cs typeface="+mn-cs"/>
+            </a:endParaRPr>
+          </a:p>
+        </p:txBody>
+      </p:sp>
+      <p:sp>
+        <p:nvSpPr>
+          <p:cNvPr id="2" name="Título 1">
+            <a:extLst>
+              <a:ext uri="{FF2B5EF4-FFF2-40B4-BE49-F238E27FC236}">
+                <a16:creationId xmlns:a16="http://schemas.microsoft.com/office/drawing/2014/main" id="{2172F1CB-2A38-2720-091C-674203F8EBDD}"/>
+              </a:ext>
+            </a:extLst>
+          </p:cNvPr>
+          <p:cNvSpPr>
+            <a:spLocks noGrp="1"/>
+          </p:cNvSpPr>
+          <p:nvPr>
+            <p:ph type="title"/>
+          </p:nvPr>
+        </p:nvSpPr>
+        <p:spPr>
+          <a:xfrm>
+            <a:off x="777240" y="731519"/>
+            <a:ext cx="2845191" cy="3237579"/>
+          </a:xfrm>
+        </p:spPr>
+        <p:txBody>
+          <a:bodyPr>
+            <a:normAutofit/>
+          </a:bodyPr>
+          <a:lstStyle/>
+          <a:p>
+            <a:r>
+              <a:rPr lang="es-ES" sz="3200">
+                <a:solidFill>
+                  <a:srgbClr val="FFFFFF"/>
+                </a:solidFill>
+              </a:rPr>
+              <a:t>COMPONENTES DEL CUBO</a:t>
+            </a:r>
+          </a:p>
+        </p:txBody>
+      </p:sp>
+      <p:sp>
+        <p:nvSpPr>
+          <p:cNvPr id="10" name="Rectangle 9">
+            <a:extLst>
+              <a:ext uri="{FF2B5EF4-FFF2-40B4-BE49-F238E27FC236}">
+                <a16:creationId xmlns:a16="http://schemas.microsoft.com/office/drawing/2014/main" id="{6166C6D1-23AC-49C4-BA07-238E4E9F8CEB}"/>
+              </a:ext>
+              <a:ext uri="{C183D7F6-B498-43B3-948B-1728B52AA6E4}">
+                <adec:decorative xmlns:adec="http://schemas.microsoft.com/office/drawing/2017/decorative" val="1"/>
+              </a:ext>
+            </a:extLst>
+          </p:cNvPr>
+          <p:cNvSpPr>
+            <a:spLocks noGrp="1" noRot="1" noChangeAspect="1" noMove="1" noResize="1" noEditPoints="1" noAdjustHandles="1" noChangeArrowheads="1" noChangeShapeType="1" noTextEdit="1"/>
+          </p:cNvSpPr>
+          <p:nvPr>
+            <p:extLst>
+              <p:ext uri="{386F3935-93C4-4BCD-93E2-E3B085C9AB24}">
+                <p16:designElem xmlns:p16="http://schemas.microsoft.com/office/powerpoint/2015/main" val="1"/>
+              </p:ext>
+            </p:extLst>
+          </p:nvPr>
+        </p:nvSpPr>
+        <p:spPr>
+          <a:xfrm>
+            <a:off x="466343" y="4419227"/>
+            <a:ext cx="3414369" cy="1979852"/>
+          </a:xfrm>
+          <a:prstGeom prst="rect">
+            <a:avLst/>
+          </a:prstGeom>
+          <a:solidFill>
+            <a:schemeClr val="accent1">
+              <a:alpha val="95000"/>
+            </a:schemeClr>
+          </a:solidFill>
+          <a:ln w="25400">
+            <a:noFill/>
+          </a:ln>
+        </p:spPr>
+        <p:style>
+          <a:lnRef idx="2">
+            <a:schemeClr val="accent1">
+              <a:shade val="50000"/>
+            </a:schemeClr>
+          </a:lnRef>
+          <a:fillRef idx="1">
+            <a:schemeClr val="accent1"/>
+          </a:fillRef>
+          <a:effectRef idx="0">
+            <a:schemeClr val="accent1"/>
+          </a:effectRef>
+          <a:fontRef idx="minor">
+            <a:schemeClr val="lt1"/>
+          </a:fontRef>
+        </p:style>
+        <p:txBody>
+          <a:bodyPr rtlCol="0" anchor="ctr"/>
+          <a:lstStyle/>
+          <a:p>
+            <a:pPr marL="0" marR="0" lvl="0" indent="0" algn="ctr" defTabSz="914400" rtl="0" eaLnBrk="1" fontAlgn="auto" latinLnBrk="0" hangingPunct="1">
+              <a:lnSpc>
+                <a:spcPct val="100000"/>
+              </a:lnSpc>
+              <a:spcBef>
+                <a:spcPts val="0"/>
+              </a:spcBef>
+              <a:spcAft>
+                <a:spcPts val="0"/>
+              </a:spcAft>
+              <a:buClrTx/>
+              <a:buSzTx/>
+              <a:buFontTx/>
+              <a:buNone/>
+              <a:tabLst/>
+              <a:defRPr/>
+            </a:pPr>
+            <a:endParaRPr kumimoji="0" lang="en-US" sz="1800" b="0" i="0" u="none" strike="noStrike" kern="1200" cap="none" spc="0" normalizeH="0" baseline="0" noProof="0" dirty="0">
+              <a:ln>
+                <a:noFill/>
+              </a:ln>
+              <a:solidFill>
+                <a:srgbClr val="FFFFFF"/>
+              </a:solidFill>
+              <a:effectLst/>
+              <a:uLnTx/>
+              <a:uFillTx/>
+              <a:latin typeface="Calibri" panose="020F0502020204030204"/>
+              <a:ea typeface="+mn-ea"/>
+              <a:cs typeface="+mn-cs"/>
+            </a:endParaRPr>
+          </a:p>
+        </p:txBody>
+      </p:sp>
+      <p:sp>
+        <p:nvSpPr>
+          <p:cNvPr id="12" name="Rectangle 11">
+            <a:extLst>
+              <a:ext uri="{FF2B5EF4-FFF2-40B4-BE49-F238E27FC236}">
+                <a16:creationId xmlns:a16="http://schemas.microsoft.com/office/drawing/2014/main" id="{1C091803-41C2-48E0-9228-5148460C7479}"/>
+              </a:ext>
+              <a:ext uri="{C183D7F6-B498-43B3-948B-1728B52AA6E4}">
+                <adec:decorative xmlns:adec="http://schemas.microsoft.com/office/drawing/2017/decorative" val="1"/>
+              </a:ext>
+            </a:extLst>
+          </p:cNvPr>
+          <p:cNvSpPr>
+            <a:spLocks noGrp="1" noRot="1" noChangeAspect="1" noMove="1" noResize="1" noEditPoints="1" noAdjustHandles="1" noChangeArrowheads="1" noChangeShapeType="1" noTextEdit="1"/>
+          </p:cNvSpPr>
+          <p:nvPr>
+            <p:extLst>
+              <p:ext uri="{386F3935-93C4-4BCD-93E2-E3B085C9AB24}">
+                <p16:designElem xmlns:p16="http://schemas.microsoft.com/office/powerpoint/2015/main" val="1"/>
+              </p:ext>
+            </p:extLst>
+          </p:nvPr>
+        </p:nvSpPr>
+        <p:spPr>
+          <a:xfrm>
+            <a:off x="4044603" y="448055"/>
+            <a:ext cx="7688475" cy="5952745"/>
+          </a:xfrm>
+          <a:prstGeom prst="rect">
+            <a:avLst/>
+          </a:prstGeom>
+          <a:solidFill>
+            <a:schemeClr val="tx1">
+              <a:lumMod val="50000"/>
+              <a:lumOff val="50000"/>
+              <a:alpha val="20000"/>
+            </a:schemeClr>
+          </a:solidFill>
+          <a:ln>
+            <a:noFill/>
+          </a:ln>
+        </p:spPr>
+        <p:style>
+          <a:lnRef idx="2">
+            <a:schemeClr val="accent1">
+              <a:shade val="50000"/>
+            </a:schemeClr>
+          </a:lnRef>
+          <a:fillRef idx="1">
+            <a:schemeClr val="accent1"/>
+          </a:fillRef>
+          <a:effectRef idx="0">
+            <a:schemeClr val="accent1"/>
+          </a:effectRef>
+          <a:fontRef idx="minor">
+            <a:schemeClr val="lt1"/>
+          </a:fontRef>
+        </p:style>
+        <p:txBody>
+          <a:bodyPr rtlCol="0" anchor="ctr"/>
+          <a:lstStyle/>
+          <a:p>
+            <a:pPr marL="0" marR="0" lvl="0" indent="0" algn="ctr" defTabSz="914400" rtl="0" eaLnBrk="1" fontAlgn="auto" latinLnBrk="0" hangingPunct="1">
+              <a:lnSpc>
+                <a:spcPct val="100000"/>
+              </a:lnSpc>
+              <a:spcBef>
+                <a:spcPts val="0"/>
+              </a:spcBef>
+              <a:spcAft>
+                <a:spcPts val="0"/>
+              </a:spcAft>
+              <a:buClrTx/>
+              <a:buSzTx/>
+              <a:buFontTx/>
+              <a:buNone/>
+              <a:tabLst/>
+              <a:defRPr/>
+            </a:pPr>
+            <a:endParaRPr kumimoji="0" lang="en-US" sz="1800" b="0" i="0" u="none" strike="noStrike" kern="1200" cap="none" spc="0" normalizeH="0" baseline="0" noProof="0">
+              <a:ln>
+                <a:noFill/>
+              </a:ln>
+              <a:solidFill>
+                <a:prstClr val="white"/>
+              </a:solidFill>
+              <a:effectLst/>
+              <a:uLnTx/>
+              <a:uFillTx/>
+              <a:latin typeface="Calibri" panose="020F0502020204030204"/>
+              <a:ea typeface="+mn-ea"/>
+              <a:cs typeface="+mn-cs"/>
+            </a:endParaRPr>
+          </a:p>
+        </p:txBody>
+      </p:sp>
+      <p:sp>
+        <p:nvSpPr>
+          <p:cNvPr id="3" name="Marcador de contenido 2">
+            <a:extLst>
+              <a:ext uri="{FF2B5EF4-FFF2-40B4-BE49-F238E27FC236}">
+                <a16:creationId xmlns:a16="http://schemas.microsoft.com/office/drawing/2014/main" id="{579BAF02-1E04-3F4B-C876-5A33FC09ACD6}"/>
+              </a:ext>
+            </a:extLst>
+          </p:cNvPr>
+          <p:cNvSpPr>
+            <a:spLocks noGrp="1"/>
+          </p:cNvSpPr>
+          <p:nvPr>
+            <p:ph idx="1"/>
+          </p:nvPr>
+        </p:nvSpPr>
+        <p:spPr>
+          <a:xfrm>
+            <a:off x="4379709" y="686862"/>
+            <a:ext cx="7037591" cy="5475129"/>
+          </a:xfrm>
+        </p:spPr>
+        <p:txBody>
+          <a:bodyPr anchor="ctr">
+            <a:normAutofit/>
+          </a:bodyPr>
+          <a:lstStyle/>
+          <a:p>
+            <a:pPr algn="just"/>
+            <a:r>
+              <a:rPr lang="es-ES" sz="2600" dirty="0">
+                <a:effectLst/>
+                <a:latin typeface="Arial" panose="020B0604020202020204" pitchFamily="34" charset="0"/>
+              </a:rPr>
+              <a:t>Un cubo está formado por las dimensiones, las medidas y, en algunos casos, los miembros calculados, que no son más que medidas complejas que usan formulas en lugar de una columna de BBDD; se calculan en tiempo de consulta.</a:t>
+            </a:r>
+          </a:p>
+          <a:p>
+            <a:pPr algn="just"/>
+            <a:r>
+              <a:rPr lang="es-ES" sz="2600" dirty="0">
+                <a:latin typeface="Arial" panose="020B0604020202020204" pitchFamily="34" charset="0"/>
+              </a:rPr>
+              <a:t>Un cubo como mínimo tiene que tener una dimensión y una medida</a:t>
+            </a:r>
+            <a:endParaRPr lang="es-ES" sz="2600" dirty="0"/>
+          </a:p>
+        </p:txBody>
+      </p:sp>
+    </p:spTree>
+    <p:extLst>
+      <p:ext uri="{BB962C8B-B14F-4D97-AF65-F5344CB8AC3E}">
+        <p14:creationId xmlns:p14="http://schemas.microsoft.com/office/powerpoint/2010/main" val="912288062"/>
+      </p:ext>
+    </p:extLst>
+  </p:cSld>
+  <p:clrMapOvr>
+    <a:masterClrMapping/>
+  </p:clrMapOvr>
+</p:sld>
+</file>
+
+<file path=ppt/slides/slide25.xml><?xml version="1.0" encoding="utf-8"?>
+<p:sld xmlns:a="http://schemas.openxmlformats.org/drawingml/2006/main" xmlns:r="http://schemas.openxmlformats.org/officeDocument/2006/relationships" xmlns:p="http://schemas.openxmlformats.org/presentationml/2006/main">
+  <p:cSld>
+    <p:bg>
+      <p:bgPr>
+        <a:solidFill>
+          <a:schemeClr val="bg1"/>
+        </a:solidFill>
+        <a:effectLst/>
+      </p:bgPr>
+    </p:bg>
+    <p:spTree>
+      <p:nvGrpSpPr>
+        <p:cNvPr id="1" name=""/>
+        <p:cNvGrpSpPr/>
+        <p:nvPr/>
+      </p:nvGrpSpPr>
+      <p:grpSpPr>
+        <a:xfrm>
+          <a:off x="0" y="0"/>
+          <a:ext cx="0" cy="0"/>
+          <a:chOff x="0" y="0"/>
+          <a:chExt cx="0" cy="0"/>
+        </a:xfrm>
+      </p:grpSpPr>
+      <p:sp>
+        <p:nvSpPr>
+          <p:cNvPr id="8" name="Rectangle 7">
+            <a:extLst>
+              <a:ext uri="{FF2B5EF4-FFF2-40B4-BE49-F238E27FC236}">
+                <a16:creationId xmlns:a16="http://schemas.microsoft.com/office/drawing/2014/main" id="{B775CD93-9DF2-48CB-9F57-1BCA9A46C7FA}"/>
+              </a:ext>
+              <a:ext uri="{C183D7F6-B498-43B3-948B-1728B52AA6E4}">
+                <adec:decorative xmlns:adec="http://schemas.microsoft.com/office/drawing/2017/decorative" val="1"/>
+              </a:ext>
+            </a:extLst>
+          </p:cNvPr>
+          <p:cNvSpPr>
+            <a:spLocks noGrp="1" noRot="1" noChangeAspect="1" noMove="1" noResize="1" noEditPoints="1" noAdjustHandles="1" noChangeArrowheads="1" noChangeShapeType="1" noTextEdit="1"/>
+          </p:cNvSpPr>
+          <p:nvPr>
+            <p:extLst>
+              <p:ext uri="{386F3935-93C4-4BCD-93E2-E3B085C9AB24}">
+                <p16:designElem xmlns:p16="http://schemas.microsoft.com/office/powerpoint/2015/main" val="1"/>
+              </p:ext>
+            </p:extLst>
+          </p:nvPr>
+        </p:nvSpPr>
+        <p:spPr>
+          <a:xfrm>
+            <a:off x="466344" y="448055"/>
+            <a:ext cx="3414370" cy="3801257"/>
+          </a:xfrm>
+          <a:prstGeom prst="rect">
+            <a:avLst/>
+          </a:prstGeom>
+          <a:solidFill>
+            <a:srgbClr val="595959"/>
+          </a:solidFill>
+          <a:ln w="25400">
+            <a:noFill/>
+          </a:ln>
+        </p:spPr>
+        <p:style>
+          <a:lnRef idx="2">
+            <a:schemeClr val="accent1">
+              <a:shade val="50000"/>
+            </a:schemeClr>
+          </a:lnRef>
+          <a:fillRef idx="1">
+            <a:schemeClr val="accent1"/>
+          </a:fillRef>
+          <a:effectRef idx="0">
+            <a:schemeClr val="accent1"/>
+          </a:effectRef>
+          <a:fontRef idx="minor">
+            <a:schemeClr val="lt1"/>
+          </a:fontRef>
+        </p:style>
+        <p:txBody>
+          <a:bodyPr rtlCol="0" anchor="ctr"/>
+          <a:lstStyle/>
+          <a:p>
+            <a:pPr marL="0" marR="0" lvl="0" indent="0" algn="ctr" defTabSz="914400" rtl="0" eaLnBrk="1" fontAlgn="auto" latinLnBrk="0" hangingPunct="1">
+              <a:lnSpc>
+                <a:spcPct val="100000"/>
+              </a:lnSpc>
+              <a:spcBef>
+                <a:spcPts val="0"/>
+              </a:spcBef>
+              <a:spcAft>
+                <a:spcPts val="0"/>
+              </a:spcAft>
+              <a:buClrTx/>
+              <a:buSzTx/>
+              <a:buFontTx/>
+              <a:buNone/>
+              <a:tabLst/>
+              <a:defRPr/>
+            </a:pPr>
+            <a:endParaRPr kumimoji="0" lang="en-US" sz="1800" b="0" i="0" u="none" strike="noStrike" kern="1200" cap="none" spc="0" normalizeH="0" baseline="0" noProof="0">
+              <a:ln>
+                <a:noFill/>
+              </a:ln>
+              <a:solidFill>
+                <a:srgbClr val="FFFFFF"/>
+              </a:solidFill>
+              <a:effectLst/>
+              <a:uLnTx/>
+              <a:uFillTx/>
+              <a:latin typeface="Calibri" panose="020F0502020204030204"/>
+              <a:ea typeface="+mn-ea"/>
+              <a:cs typeface="+mn-cs"/>
+            </a:endParaRPr>
+          </a:p>
+        </p:txBody>
+      </p:sp>
+      <p:sp>
+        <p:nvSpPr>
+          <p:cNvPr id="2" name="Título 1">
+            <a:extLst>
+              <a:ext uri="{FF2B5EF4-FFF2-40B4-BE49-F238E27FC236}">
+                <a16:creationId xmlns:a16="http://schemas.microsoft.com/office/drawing/2014/main" id="{540CA3E6-FFBA-1423-F5EE-7CB3B4F4AF98}"/>
+              </a:ext>
+            </a:extLst>
+          </p:cNvPr>
+          <p:cNvSpPr>
+            <a:spLocks noGrp="1"/>
+          </p:cNvSpPr>
+          <p:nvPr>
+            <p:ph type="title"/>
+          </p:nvPr>
+        </p:nvSpPr>
+        <p:spPr>
+          <a:xfrm>
+            <a:off x="777240" y="731519"/>
+            <a:ext cx="2845191" cy="3237579"/>
+          </a:xfrm>
+        </p:spPr>
+        <p:txBody>
+          <a:bodyPr>
+            <a:normAutofit/>
+          </a:bodyPr>
+          <a:lstStyle/>
+          <a:p>
+            <a:r>
+              <a:rPr lang="es-ES" sz="3800">
+                <a:solidFill>
+                  <a:srgbClr val="FFFFFF"/>
+                </a:solidFill>
+              </a:rPr>
+              <a:t>DIMENSIÓN</a:t>
+            </a:r>
+          </a:p>
+        </p:txBody>
+      </p:sp>
+      <p:sp>
+        <p:nvSpPr>
+          <p:cNvPr id="10" name="Rectangle 9">
+            <a:extLst>
+              <a:ext uri="{FF2B5EF4-FFF2-40B4-BE49-F238E27FC236}">
+                <a16:creationId xmlns:a16="http://schemas.microsoft.com/office/drawing/2014/main" id="{6166C6D1-23AC-49C4-BA07-238E4E9F8CEB}"/>
+              </a:ext>
+              <a:ext uri="{C183D7F6-B498-43B3-948B-1728B52AA6E4}">
+                <adec:decorative xmlns:adec="http://schemas.microsoft.com/office/drawing/2017/decorative" val="1"/>
+              </a:ext>
+            </a:extLst>
+          </p:cNvPr>
+          <p:cNvSpPr>
+            <a:spLocks noGrp="1" noRot="1" noChangeAspect="1" noMove="1" noResize="1" noEditPoints="1" noAdjustHandles="1" noChangeArrowheads="1" noChangeShapeType="1" noTextEdit="1"/>
+          </p:cNvSpPr>
+          <p:nvPr>
+            <p:extLst>
+              <p:ext uri="{386F3935-93C4-4BCD-93E2-E3B085C9AB24}">
+                <p16:designElem xmlns:p16="http://schemas.microsoft.com/office/powerpoint/2015/main" val="1"/>
+              </p:ext>
+            </p:extLst>
+          </p:nvPr>
+        </p:nvSpPr>
+        <p:spPr>
+          <a:xfrm>
+            <a:off x="466343" y="4419227"/>
+            <a:ext cx="3414369" cy="1979852"/>
+          </a:xfrm>
+          <a:prstGeom prst="rect">
+            <a:avLst/>
+          </a:prstGeom>
+          <a:solidFill>
+            <a:schemeClr val="accent1">
+              <a:alpha val="95000"/>
+            </a:schemeClr>
+          </a:solidFill>
+          <a:ln w="25400">
+            <a:noFill/>
+          </a:ln>
+        </p:spPr>
+        <p:style>
+          <a:lnRef idx="2">
+            <a:schemeClr val="accent1">
+              <a:shade val="50000"/>
+            </a:schemeClr>
+          </a:lnRef>
+          <a:fillRef idx="1">
+            <a:schemeClr val="accent1"/>
+          </a:fillRef>
+          <a:effectRef idx="0">
+            <a:schemeClr val="accent1"/>
+          </a:effectRef>
+          <a:fontRef idx="minor">
+            <a:schemeClr val="lt1"/>
+          </a:fontRef>
+        </p:style>
+        <p:txBody>
+          <a:bodyPr rtlCol="0" anchor="ctr"/>
+          <a:lstStyle/>
+          <a:p>
+            <a:pPr marL="0" marR="0" lvl="0" indent="0" algn="ctr" defTabSz="914400" rtl="0" eaLnBrk="1" fontAlgn="auto" latinLnBrk="0" hangingPunct="1">
+              <a:lnSpc>
+                <a:spcPct val="100000"/>
+              </a:lnSpc>
+              <a:spcBef>
+                <a:spcPts val="0"/>
+              </a:spcBef>
+              <a:spcAft>
+                <a:spcPts val="0"/>
+              </a:spcAft>
+              <a:buClrTx/>
+              <a:buSzTx/>
+              <a:buFontTx/>
+              <a:buNone/>
+              <a:tabLst/>
+              <a:defRPr/>
+            </a:pPr>
+            <a:endParaRPr kumimoji="0" lang="en-US" sz="1800" b="0" i="0" u="none" strike="noStrike" kern="1200" cap="none" spc="0" normalizeH="0" baseline="0" noProof="0" dirty="0">
+              <a:ln>
+                <a:noFill/>
+              </a:ln>
+              <a:solidFill>
+                <a:srgbClr val="FFFFFF"/>
+              </a:solidFill>
+              <a:effectLst/>
+              <a:uLnTx/>
+              <a:uFillTx/>
+              <a:latin typeface="Calibri" panose="020F0502020204030204"/>
+              <a:ea typeface="+mn-ea"/>
+              <a:cs typeface="+mn-cs"/>
+            </a:endParaRPr>
+          </a:p>
+        </p:txBody>
+      </p:sp>
+      <p:sp>
+        <p:nvSpPr>
+          <p:cNvPr id="12" name="Rectangle 11">
+            <a:extLst>
+              <a:ext uri="{FF2B5EF4-FFF2-40B4-BE49-F238E27FC236}">
+                <a16:creationId xmlns:a16="http://schemas.microsoft.com/office/drawing/2014/main" id="{1C091803-41C2-48E0-9228-5148460C7479}"/>
+              </a:ext>
+              <a:ext uri="{C183D7F6-B498-43B3-948B-1728B52AA6E4}">
+                <adec:decorative xmlns:adec="http://schemas.microsoft.com/office/drawing/2017/decorative" val="1"/>
+              </a:ext>
+            </a:extLst>
+          </p:cNvPr>
+          <p:cNvSpPr>
+            <a:spLocks noGrp="1" noRot="1" noChangeAspect="1" noMove="1" noResize="1" noEditPoints="1" noAdjustHandles="1" noChangeArrowheads="1" noChangeShapeType="1" noTextEdit="1"/>
+          </p:cNvSpPr>
+          <p:nvPr>
+            <p:extLst>
+              <p:ext uri="{386F3935-93C4-4BCD-93E2-E3B085C9AB24}">
+                <p16:designElem xmlns:p16="http://schemas.microsoft.com/office/powerpoint/2015/main" val="1"/>
+              </p:ext>
+            </p:extLst>
+          </p:nvPr>
+        </p:nvSpPr>
+        <p:spPr>
+          <a:xfrm>
+            <a:off x="4044603" y="448055"/>
+            <a:ext cx="7688475" cy="5952745"/>
+          </a:xfrm>
+          <a:prstGeom prst="rect">
+            <a:avLst/>
+          </a:prstGeom>
+          <a:solidFill>
+            <a:schemeClr val="tx1">
+              <a:lumMod val="50000"/>
+              <a:lumOff val="50000"/>
+              <a:alpha val="20000"/>
+            </a:schemeClr>
+          </a:solidFill>
+          <a:ln>
+            <a:noFill/>
+          </a:ln>
+        </p:spPr>
+        <p:style>
+          <a:lnRef idx="2">
+            <a:schemeClr val="accent1">
+              <a:shade val="50000"/>
+            </a:schemeClr>
+          </a:lnRef>
+          <a:fillRef idx="1">
+            <a:schemeClr val="accent1"/>
+          </a:fillRef>
+          <a:effectRef idx="0">
+            <a:schemeClr val="accent1"/>
+          </a:effectRef>
+          <a:fontRef idx="minor">
+            <a:schemeClr val="lt1"/>
+          </a:fontRef>
+        </p:style>
+        <p:txBody>
+          <a:bodyPr rtlCol="0" anchor="ctr"/>
+          <a:lstStyle/>
+          <a:p>
+            <a:pPr marL="0" marR="0" lvl="0" indent="0" algn="ctr" defTabSz="914400" rtl="0" eaLnBrk="1" fontAlgn="auto" latinLnBrk="0" hangingPunct="1">
+              <a:lnSpc>
+                <a:spcPct val="100000"/>
+              </a:lnSpc>
+              <a:spcBef>
+                <a:spcPts val="0"/>
+              </a:spcBef>
+              <a:spcAft>
+                <a:spcPts val="0"/>
+              </a:spcAft>
+              <a:buClrTx/>
+              <a:buSzTx/>
+              <a:buFontTx/>
+              <a:buNone/>
+              <a:tabLst/>
+              <a:defRPr/>
+            </a:pPr>
+            <a:endParaRPr kumimoji="0" lang="en-US" sz="1800" b="0" i="0" u="none" strike="noStrike" kern="1200" cap="none" spc="0" normalizeH="0" baseline="0" noProof="0">
+              <a:ln>
+                <a:noFill/>
+              </a:ln>
+              <a:solidFill>
+                <a:prstClr val="white"/>
+              </a:solidFill>
+              <a:effectLst/>
+              <a:uLnTx/>
+              <a:uFillTx/>
+              <a:latin typeface="Calibri" panose="020F0502020204030204"/>
+              <a:ea typeface="+mn-ea"/>
+              <a:cs typeface="+mn-cs"/>
+            </a:endParaRPr>
+          </a:p>
+        </p:txBody>
+      </p:sp>
+      <p:sp>
+        <p:nvSpPr>
+          <p:cNvPr id="3" name="Marcador de contenido 2">
+            <a:extLst>
+              <a:ext uri="{FF2B5EF4-FFF2-40B4-BE49-F238E27FC236}">
+                <a16:creationId xmlns:a16="http://schemas.microsoft.com/office/drawing/2014/main" id="{B823AEE6-1EB9-48B4-4063-AA1BBEFA4FC3}"/>
+              </a:ext>
+            </a:extLst>
+          </p:cNvPr>
+          <p:cNvSpPr>
+            <a:spLocks noGrp="1"/>
+          </p:cNvSpPr>
+          <p:nvPr>
+            <p:ph idx="1"/>
+          </p:nvPr>
+        </p:nvSpPr>
+        <p:spPr>
+          <a:xfrm>
+            <a:off x="4379709" y="686862"/>
+            <a:ext cx="7037591" cy="5475129"/>
+          </a:xfrm>
+        </p:spPr>
+        <p:txBody>
+          <a:bodyPr anchor="ctr">
+            <a:normAutofit/>
+          </a:bodyPr>
+          <a:lstStyle/>
+          <a:p>
+            <a:pPr algn="just"/>
+            <a:r>
+              <a:rPr lang="es-ES" sz="2600" dirty="0">
+                <a:effectLst/>
+                <a:latin typeface="Arial" panose="020B0604020202020204" pitchFamily="34" charset="0"/>
+              </a:rPr>
+              <a:t>Hacen referencia a las tablas dimensionales, y son el primer nivel jerárquico dentro del cubo.</a:t>
+            </a:r>
+          </a:p>
+          <a:p>
+            <a:pPr algn="just"/>
+            <a:r>
+              <a:rPr lang="es-ES" sz="2600" dirty="0">
+                <a:effectLst/>
+                <a:latin typeface="Arial" panose="020B0604020202020204" pitchFamily="34" charset="0"/>
+              </a:rPr>
+              <a:t>Las dimensiones están compuestas por una jerarquía, que a su vez debe contener como mínimo un nivel.</a:t>
+            </a:r>
+          </a:p>
+          <a:p>
+            <a:pPr algn="just"/>
+            <a:r>
+              <a:rPr lang="es-ES" sz="2600" dirty="0">
+                <a:effectLst/>
+                <a:latin typeface="Arial" panose="020B0604020202020204" pitchFamily="34" charset="0"/>
+              </a:rPr>
+              <a:t>Son las entidades por las que podremos utilizar para filtrar o dar forma a nuestros indicadores o medidas.</a:t>
+            </a:r>
+          </a:p>
+          <a:p>
+            <a:pPr algn="just"/>
+            <a:r>
+              <a:rPr lang="es-ES" sz="2600" dirty="0">
+                <a:effectLst/>
+                <a:latin typeface="Arial" panose="020B0604020202020204" pitchFamily="34" charset="0"/>
+              </a:rPr>
+              <a:t>Pueden ser dimensiones normales o dimensiones compartidas (fuera del cubo, en el esquema, para usarla po</a:t>
+            </a:r>
+            <a:r>
+              <a:rPr lang="es-ES" sz="2600" dirty="0">
+                <a:latin typeface="Arial" panose="020B0604020202020204" pitchFamily="34" charset="0"/>
+              </a:rPr>
+              <a:t>r varios cubos)</a:t>
+            </a:r>
+            <a:r>
+              <a:rPr lang="es-ES" sz="2600" dirty="0">
+                <a:effectLst/>
+                <a:latin typeface="Arial" panose="020B0604020202020204" pitchFamily="34" charset="0"/>
+              </a:rPr>
+              <a:t>.</a:t>
+            </a:r>
+            <a:endParaRPr lang="es-ES" sz="2600" dirty="0"/>
+          </a:p>
+        </p:txBody>
+      </p:sp>
+    </p:spTree>
+    <p:extLst>
+      <p:ext uri="{BB962C8B-B14F-4D97-AF65-F5344CB8AC3E}">
+        <p14:creationId xmlns:p14="http://schemas.microsoft.com/office/powerpoint/2010/main" val="538020284"/>
+      </p:ext>
+    </p:extLst>
+  </p:cSld>
+  <p:clrMapOvr>
+    <a:masterClrMapping/>
+  </p:clrMapOvr>
+</p:sld>
+</file>
+
+<file path=ppt/slides/slide26.xml><?xml version="1.0" encoding="utf-8"?>
+<p:sld xmlns:a="http://schemas.openxmlformats.org/drawingml/2006/main" xmlns:r="http://schemas.openxmlformats.org/officeDocument/2006/relationships" xmlns:p="http://schemas.openxmlformats.org/presentationml/2006/main">
+  <p:cSld>
+    <p:bg>
+      <p:bgPr>
+        <a:solidFill>
+          <a:schemeClr val="bg1"/>
+        </a:solidFill>
+        <a:effectLst/>
+      </p:bgPr>
+    </p:bg>
+    <p:spTree>
+      <p:nvGrpSpPr>
+        <p:cNvPr id="1" name=""/>
+        <p:cNvGrpSpPr/>
+        <p:nvPr/>
+      </p:nvGrpSpPr>
+      <p:grpSpPr>
+        <a:xfrm>
+          <a:off x="0" y="0"/>
+          <a:ext cx="0" cy="0"/>
+          <a:chOff x="0" y="0"/>
+          <a:chExt cx="0" cy="0"/>
+        </a:xfrm>
+      </p:grpSpPr>
+      <p:sp>
+        <p:nvSpPr>
+          <p:cNvPr id="8" name="Rectangle 7">
+            <a:extLst>
+              <a:ext uri="{FF2B5EF4-FFF2-40B4-BE49-F238E27FC236}">
+                <a16:creationId xmlns:a16="http://schemas.microsoft.com/office/drawing/2014/main" id="{B775CD93-9DF2-48CB-9F57-1BCA9A46C7FA}"/>
+              </a:ext>
+              <a:ext uri="{C183D7F6-B498-43B3-948B-1728B52AA6E4}">
+                <adec:decorative xmlns:adec="http://schemas.microsoft.com/office/drawing/2017/decorative" val="1"/>
+              </a:ext>
+            </a:extLst>
+          </p:cNvPr>
+          <p:cNvSpPr>
+            <a:spLocks noGrp="1" noRot="1" noChangeAspect="1" noMove="1" noResize="1" noEditPoints="1" noAdjustHandles="1" noChangeArrowheads="1" noChangeShapeType="1" noTextEdit="1"/>
+          </p:cNvSpPr>
+          <p:nvPr>
+            <p:extLst>
+              <p:ext uri="{386F3935-93C4-4BCD-93E2-E3B085C9AB24}">
+                <p16:designElem xmlns:p16="http://schemas.microsoft.com/office/powerpoint/2015/main" val="1"/>
+              </p:ext>
+            </p:extLst>
+          </p:nvPr>
+        </p:nvSpPr>
+        <p:spPr>
+          <a:xfrm>
+            <a:off x="466344" y="448055"/>
+            <a:ext cx="3414370" cy="3801257"/>
+          </a:xfrm>
+          <a:prstGeom prst="rect">
+            <a:avLst/>
+          </a:prstGeom>
+          <a:solidFill>
+            <a:srgbClr val="595959"/>
+          </a:solidFill>
+          <a:ln w="25400">
+            <a:noFill/>
+          </a:ln>
+        </p:spPr>
+        <p:style>
+          <a:lnRef idx="2">
+            <a:schemeClr val="accent1">
+              <a:shade val="50000"/>
+            </a:schemeClr>
+          </a:lnRef>
+          <a:fillRef idx="1">
+            <a:schemeClr val="accent1"/>
+          </a:fillRef>
+          <a:effectRef idx="0">
+            <a:schemeClr val="accent1"/>
+          </a:effectRef>
+          <a:fontRef idx="minor">
+            <a:schemeClr val="lt1"/>
+          </a:fontRef>
+        </p:style>
+        <p:txBody>
+          <a:bodyPr rtlCol="0" anchor="ctr"/>
+          <a:lstStyle/>
+          <a:p>
+            <a:pPr marL="0" marR="0" lvl="0" indent="0" algn="ctr" defTabSz="914400" rtl="0" eaLnBrk="1" fontAlgn="auto" latinLnBrk="0" hangingPunct="1">
+              <a:lnSpc>
+                <a:spcPct val="100000"/>
+              </a:lnSpc>
+              <a:spcBef>
+                <a:spcPts val="0"/>
+              </a:spcBef>
+              <a:spcAft>
+                <a:spcPts val="0"/>
+              </a:spcAft>
+              <a:buClrTx/>
+              <a:buSzTx/>
+              <a:buFontTx/>
+              <a:buNone/>
+              <a:tabLst/>
+              <a:defRPr/>
+            </a:pPr>
+            <a:endParaRPr kumimoji="0" lang="en-US" sz="1800" b="0" i="0" u="none" strike="noStrike" kern="1200" cap="none" spc="0" normalizeH="0" baseline="0" noProof="0">
+              <a:ln>
+                <a:noFill/>
+              </a:ln>
+              <a:solidFill>
+                <a:srgbClr val="FFFFFF"/>
+              </a:solidFill>
+              <a:effectLst/>
+              <a:uLnTx/>
+              <a:uFillTx/>
+              <a:latin typeface="Calibri" panose="020F0502020204030204"/>
+              <a:ea typeface="+mn-ea"/>
+              <a:cs typeface="+mn-cs"/>
+            </a:endParaRPr>
+          </a:p>
+        </p:txBody>
+      </p:sp>
+      <p:sp>
+        <p:nvSpPr>
+          <p:cNvPr id="2" name="Título 1">
+            <a:extLst>
+              <a:ext uri="{FF2B5EF4-FFF2-40B4-BE49-F238E27FC236}">
+                <a16:creationId xmlns:a16="http://schemas.microsoft.com/office/drawing/2014/main" id="{B4CB37C9-CEB4-63CC-6EC8-C7DFAED77B4B}"/>
+              </a:ext>
+            </a:extLst>
+          </p:cNvPr>
+          <p:cNvSpPr>
+            <a:spLocks noGrp="1"/>
+          </p:cNvSpPr>
+          <p:nvPr>
+            <p:ph type="title"/>
+          </p:nvPr>
+        </p:nvSpPr>
+        <p:spPr>
+          <a:xfrm>
+            <a:off x="777240" y="731519"/>
+            <a:ext cx="2845191" cy="3237579"/>
+          </a:xfrm>
+        </p:spPr>
+        <p:txBody>
+          <a:bodyPr>
+            <a:normAutofit/>
+          </a:bodyPr>
+          <a:lstStyle/>
+          <a:p>
+            <a:r>
+              <a:rPr lang="es-ES" sz="3800">
+                <a:solidFill>
+                  <a:srgbClr val="FFFFFF"/>
+                </a:solidFill>
+              </a:rPr>
+              <a:t>JERARQUIAS</a:t>
+            </a:r>
+          </a:p>
+        </p:txBody>
+      </p:sp>
+      <p:sp>
+        <p:nvSpPr>
+          <p:cNvPr id="10" name="Rectangle 9">
+            <a:extLst>
+              <a:ext uri="{FF2B5EF4-FFF2-40B4-BE49-F238E27FC236}">
+                <a16:creationId xmlns:a16="http://schemas.microsoft.com/office/drawing/2014/main" id="{6166C6D1-23AC-49C4-BA07-238E4E9F8CEB}"/>
+              </a:ext>
+              <a:ext uri="{C183D7F6-B498-43B3-948B-1728B52AA6E4}">
+                <adec:decorative xmlns:adec="http://schemas.microsoft.com/office/drawing/2017/decorative" val="1"/>
+              </a:ext>
+            </a:extLst>
+          </p:cNvPr>
+          <p:cNvSpPr>
+            <a:spLocks noGrp="1" noRot="1" noChangeAspect="1" noMove="1" noResize="1" noEditPoints="1" noAdjustHandles="1" noChangeArrowheads="1" noChangeShapeType="1" noTextEdit="1"/>
+          </p:cNvSpPr>
+          <p:nvPr>
+            <p:extLst>
+              <p:ext uri="{386F3935-93C4-4BCD-93E2-E3B085C9AB24}">
+                <p16:designElem xmlns:p16="http://schemas.microsoft.com/office/powerpoint/2015/main" val="1"/>
+              </p:ext>
+            </p:extLst>
+          </p:nvPr>
+        </p:nvSpPr>
+        <p:spPr>
+          <a:xfrm>
+            <a:off x="466343" y="4419227"/>
+            <a:ext cx="3414369" cy="1979852"/>
+          </a:xfrm>
+          <a:prstGeom prst="rect">
+            <a:avLst/>
+          </a:prstGeom>
+          <a:solidFill>
+            <a:schemeClr val="accent1">
+              <a:alpha val="95000"/>
+            </a:schemeClr>
+          </a:solidFill>
+          <a:ln w="25400">
+            <a:noFill/>
+          </a:ln>
+        </p:spPr>
+        <p:style>
+          <a:lnRef idx="2">
+            <a:schemeClr val="accent1">
+              <a:shade val="50000"/>
+            </a:schemeClr>
+          </a:lnRef>
+          <a:fillRef idx="1">
+            <a:schemeClr val="accent1"/>
+          </a:fillRef>
+          <a:effectRef idx="0">
+            <a:schemeClr val="accent1"/>
+          </a:effectRef>
+          <a:fontRef idx="minor">
+            <a:schemeClr val="lt1"/>
+          </a:fontRef>
+        </p:style>
+        <p:txBody>
+          <a:bodyPr rtlCol="0" anchor="ctr"/>
+          <a:lstStyle/>
+          <a:p>
+            <a:pPr marL="0" marR="0" lvl="0" indent="0" algn="ctr" defTabSz="914400" rtl="0" eaLnBrk="1" fontAlgn="auto" latinLnBrk="0" hangingPunct="1">
+              <a:lnSpc>
+                <a:spcPct val="100000"/>
+              </a:lnSpc>
+              <a:spcBef>
+                <a:spcPts val="0"/>
+              </a:spcBef>
+              <a:spcAft>
+                <a:spcPts val="0"/>
+              </a:spcAft>
+              <a:buClrTx/>
+              <a:buSzTx/>
+              <a:buFontTx/>
+              <a:buNone/>
+              <a:tabLst/>
+              <a:defRPr/>
+            </a:pPr>
+            <a:endParaRPr kumimoji="0" lang="en-US" sz="1800" b="0" i="0" u="none" strike="noStrike" kern="1200" cap="none" spc="0" normalizeH="0" baseline="0" noProof="0" dirty="0">
+              <a:ln>
+                <a:noFill/>
+              </a:ln>
+              <a:solidFill>
+                <a:srgbClr val="FFFFFF"/>
+              </a:solidFill>
+              <a:effectLst/>
+              <a:uLnTx/>
+              <a:uFillTx/>
+              <a:latin typeface="Calibri" panose="020F0502020204030204"/>
+              <a:ea typeface="+mn-ea"/>
+              <a:cs typeface="+mn-cs"/>
+            </a:endParaRPr>
+          </a:p>
+        </p:txBody>
+      </p:sp>
+      <p:sp>
+        <p:nvSpPr>
+          <p:cNvPr id="12" name="Rectangle 11">
+            <a:extLst>
+              <a:ext uri="{FF2B5EF4-FFF2-40B4-BE49-F238E27FC236}">
+                <a16:creationId xmlns:a16="http://schemas.microsoft.com/office/drawing/2014/main" id="{1C091803-41C2-48E0-9228-5148460C7479}"/>
+              </a:ext>
+              <a:ext uri="{C183D7F6-B498-43B3-948B-1728B52AA6E4}">
+                <adec:decorative xmlns:adec="http://schemas.microsoft.com/office/drawing/2017/decorative" val="1"/>
+              </a:ext>
+            </a:extLst>
+          </p:cNvPr>
+          <p:cNvSpPr>
+            <a:spLocks noGrp="1" noRot="1" noChangeAspect="1" noMove="1" noResize="1" noEditPoints="1" noAdjustHandles="1" noChangeArrowheads="1" noChangeShapeType="1" noTextEdit="1"/>
+          </p:cNvSpPr>
+          <p:nvPr>
+            <p:extLst>
+              <p:ext uri="{386F3935-93C4-4BCD-93E2-E3B085C9AB24}">
+                <p16:designElem xmlns:p16="http://schemas.microsoft.com/office/powerpoint/2015/main" val="1"/>
+              </p:ext>
+            </p:extLst>
+          </p:nvPr>
+        </p:nvSpPr>
+        <p:spPr>
+          <a:xfrm>
+            <a:off x="4044603" y="448055"/>
+            <a:ext cx="7688475" cy="5952745"/>
+          </a:xfrm>
+          <a:prstGeom prst="rect">
+            <a:avLst/>
+          </a:prstGeom>
+          <a:solidFill>
+            <a:schemeClr val="tx1">
+              <a:lumMod val="50000"/>
+              <a:lumOff val="50000"/>
+              <a:alpha val="20000"/>
+            </a:schemeClr>
+          </a:solidFill>
+          <a:ln>
+            <a:noFill/>
+          </a:ln>
+        </p:spPr>
+        <p:style>
+          <a:lnRef idx="2">
+            <a:schemeClr val="accent1">
+              <a:shade val="50000"/>
+            </a:schemeClr>
+          </a:lnRef>
+          <a:fillRef idx="1">
+            <a:schemeClr val="accent1"/>
+          </a:fillRef>
+          <a:effectRef idx="0">
+            <a:schemeClr val="accent1"/>
+          </a:effectRef>
+          <a:fontRef idx="minor">
+            <a:schemeClr val="lt1"/>
+          </a:fontRef>
+        </p:style>
+        <p:txBody>
+          <a:bodyPr rtlCol="0" anchor="ctr"/>
+          <a:lstStyle/>
+          <a:p>
+            <a:pPr marL="0" marR="0" lvl="0" indent="0" algn="ctr" defTabSz="914400" rtl="0" eaLnBrk="1" fontAlgn="auto" latinLnBrk="0" hangingPunct="1">
+              <a:lnSpc>
+                <a:spcPct val="100000"/>
+              </a:lnSpc>
+              <a:spcBef>
+                <a:spcPts val="0"/>
+              </a:spcBef>
+              <a:spcAft>
+                <a:spcPts val="0"/>
+              </a:spcAft>
+              <a:buClrTx/>
+              <a:buSzTx/>
+              <a:buFontTx/>
+              <a:buNone/>
+              <a:tabLst/>
+              <a:defRPr/>
+            </a:pPr>
+            <a:endParaRPr kumimoji="0" lang="en-US" sz="1800" b="0" i="0" u="none" strike="noStrike" kern="1200" cap="none" spc="0" normalizeH="0" baseline="0" noProof="0">
+              <a:ln>
+                <a:noFill/>
+              </a:ln>
+              <a:solidFill>
+                <a:prstClr val="white"/>
+              </a:solidFill>
+              <a:effectLst/>
+              <a:uLnTx/>
+              <a:uFillTx/>
+              <a:latin typeface="Calibri" panose="020F0502020204030204"/>
+              <a:ea typeface="+mn-ea"/>
+              <a:cs typeface="+mn-cs"/>
+            </a:endParaRPr>
+          </a:p>
+        </p:txBody>
+      </p:sp>
+      <p:sp>
+        <p:nvSpPr>
+          <p:cNvPr id="3" name="Marcador de contenido 2">
+            <a:extLst>
+              <a:ext uri="{FF2B5EF4-FFF2-40B4-BE49-F238E27FC236}">
+                <a16:creationId xmlns:a16="http://schemas.microsoft.com/office/drawing/2014/main" id="{3BFFB5EC-EACB-9607-4CFB-6A7268670A5D}"/>
+              </a:ext>
+            </a:extLst>
+          </p:cNvPr>
+          <p:cNvSpPr>
+            <a:spLocks noGrp="1"/>
+          </p:cNvSpPr>
+          <p:nvPr>
+            <p:ph idx="1"/>
+          </p:nvPr>
+        </p:nvSpPr>
+        <p:spPr>
+          <a:xfrm>
+            <a:off x="4379709" y="686862"/>
+            <a:ext cx="7037591" cy="5475129"/>
+          </a:xfrm>
+        </p:spPr>
+        <p:txBody>
+          <a:bodyPr anchor="ctr">
+            <a:normAutofit/>
+          </a:bodyPr>
+          <a:lstStyle/>
+          <a:p>
+            <a:pPr algn="just"/>
+            <a:r>
+              <a:rPr lang="es-ES" sz="2600" dirty="0">
+                <a:effectLst/>
+                <a:latin typeface="Arial" panose="020B0604020202020204" pitchFamily="34" charset="0"/>
+              </a:rPr>
+              <a:t>Puede existir varias, y forman parte de la dimensión. Son estructuras organizativas y llevan relacionadas consigo la tabla o </a:t>
+            </a:r>
+            <a:r>
+              <a:rPr lang="es-ES" sz="2600" dirty="0" err="1">
+                <a:effectLst/>
+                <a:latin typeface="Arial" panose="020B0604020202020204" pitchFamily="34" charset="0"/>
+              </a:rPr>
+              <a:t>joins</a:t>
+            </a:r>
+            <a:r>
+              <a:rPr lang="es-ES" sz="2600" dirty="0">
+                <a:effectLst/>
+                <a:latin typeface="Arial" panose="020B0604020202020204" pitchFamily="34" charset="0"/>
+              </a:rPr>
+              <a:t> de tablas de dimensión.</a:t>
+            </a:r>
+          </a:p>
+          <a:p>
+            <a:pPr algn="just"/>
+            <a:r>
+              <a:rPr lang="es-ES" sz="2600" dirty="0">
+                <a:effectLst/>
+                <a:latin typeface="Arial" panose="020B0604020202020204" pitchFamily="34" charset="0"/>
+              </a:rPr>
+              <a:t>Son diferentes formas de agrupar las características de la dimensión.</a:t>
+            </a:r>
+          </a:p>
+          <a:p>
+            <a:pPr algn="just"/>
+            <a:r>
+              <a:rPr lang="es-ES" sz="2600" dirty="0">
+                <a:effectLst/>
+                <a:latin typeface="Arial" panose="020B0604020202020204" pitchFamily="34" charset="0"/>
+              </a:rPr>
+              <a:t>De ellas cuelgan los niveles.</a:t>
+            </a:r>
+          </a:p>
+          <a:p>
+            <a:pPr algn="just"/>
+            <a:r>
+              <a:rPr lang="es-ES" sz="2600" dirty="0">
+                <a:effectLst/>
+                <a:latin typeface="Arial" panose="020B0604020202020204" pitchFamily="34" charset="0"/>
+              </a:rPr>
+              <a:t>Poseen un miembro especial llamado “</a:t>
+            </a:r>
+            <a:r>
+              <a:rPr lang="es-ES" sz="2600" dirty="0" err="1">
+                <a:effectLst/>
+                <a:latin typeface="Arial" panose="020B0604020202020204" pitchFamily="34" charset="0"/>
+              </a:rPr>
+              <a:t>AllMember</a:t>
+            </a:r>
+            <a:r>
+              <a:rPr lang="es-ES" sz="2600" dirty="0">
+                <a:effectLst/>
+                <a:latin typeface="Arial" panose="020B0604020202020204" pitchFamily="34" charset="0"/>
+              </a:rPr>
+              <a:t>” con el sumatorio de todos los registros de dimensión de la tabla de hechos, es decir, el total del indicador o medida consultado.</a:t>
+            </a:r>
+            <a:endParaRPr lang="es-ES" sz="2600" dirty="0"/>
+          </a:p>
+        </p:txBody>
+      </p:sp>
+    </p:spTree>
+    <p:extLst>
+      <p:ext uri="{BB962C8B-B14F-4D97-AF65-F5344CB8AC3E}">
+        <p14:creationId xmlns:p14="http://schemas.microsoft.com/office/powerpoint/2010/main" val="3122923315"/>
+      </p:ext>
+    </p:extLst>
+  </p:cSld>
+  <p:clrMapOvr>
+    <a:masterClrMapping/>
+  </p:clrMapOvr>
+</p:sld>
+</file>
+
+<file path=ppt/slides/slide27.xml><?xml version="1.0" encoding="utf-8"?>
+<p:sld xmlns:a="http://schemas.openxmlformats.org/drawingml/2006/main" xmlns:r="http://schemas.openxmlformats.org/officeDocument/2006/relationships" xmlns:p="http://schemas.openxmlformats.org/presentationml/2006/main">
+  <p:cSld>
+    <p:bg>
+      <p:bgPr>
+        <a:solidFill>
+          <a:schemeClr val="bg1"/>
+        </a:solidFill>
+        <a:effectLst/>
+      </p:bgPr>
+    </p:bg>
+    <p:spTree>
+      <p:nvGrpSpPr>
+        <p:cNvPr id="1" name=""/>
+        <p:cNvGrpSpPr/>
+        <p:nvPr/>
+      </p:nvGrpSpPr>
+      <p:grpSpPr>
+        <a:xfrm>
+          <a:off x="0" y="0"/>
+          <a:ext cx="0" cy="0"/>
+          <a:chOff x="0" y="0"/>
+          <a:chExt cx="0" cy="0"/>
+        </a:xfrm>
+      </p:grpSpPr>
+      <p:sp>
+        <p:nvSpPr>
+          <p:cNvPr id="8" name="Rectangle 7">
+            <a:extLst>
+              <a:ext uri="{FF2B5EF4-FFF2-40B4-BE49-F238E27FC236}">
+                <a16:creationId xmlns:a16="http://schemas.microsoft.com/office/drawing/2014/main" id="{B775CD93-9DF2-48CB-9F57-1BCA9A46C7FA}"/>
+              </a:ext>
+              <a:ext uri="{C183D7F6-B498-43B3-948B-1728B52AA6E4}">
+                <adec:decorative xmlns:adec="http://schemas.microsoft.com/office/drawing/2017/decorative" val="1"/>
+              </a:ext>
+            </a:extLst>
+          </p:cNvPr>
+          <p:cNvSpPr>
+            <a:spLocks noGrp="1" noRot="1" noChangeAspect="1" noMove="1" noResize="1" noEditPoints="1" noAdjustHandles="1" noChangeArrowheads="1" noChangeShapeType="1" noTextEdit="1"/>
+          </p:cNvSpPr>
+          <p:nvPr>
+            <p:extLst>
+              <p:ext uri="{386F3935-93C4-4BCD-93E2-E3B085C9AB24}">
+                <p16:designElem xmlns:p16="http://schemas.microsoft.com/office/powerpoint/2015/main" val="1"/>
+              </p:ext>
+            </p:extLst>
+          </p:nvPr>
+        </p:nvSpPr>
+        <p:spPr>
+          <a:xfrm>
+            <a:off x="466344" y="448055"/>
+            <a:ext cx="3414370" cy="3801257"/>
+          </a:xfrm>
+          <a:prstGeom prst="rect">
+            <a:avLst/>
+          </a:prstGeom>
+          <a:solidFill>
+            <a:srgbClr val="595959"/>
+          </a:solidFill>
+          <a:ln w="25400">
+            <a:noFill/>
+          </a:ln>
+        </p:spPr>
+        <p:style>
+          <a:lnRef idx="2">
+            <a:schemeClr val="accent1">
+              <a:shade val="50000"/>
+            </a:schemeClr>
+          </a:lnRef>
+          <a:fillRef idx="1">
+            <a:schemeClr val="accent1"/>
+          </a:fillRef>
+          <a:effectRef idx="0">
+            <a:schemeClr val="accent1"/>
+          </a:effectRef>
+          <a:fontRef idx="minor">
+            <a:schemeClr val="lt1"/>
+          </a:fontRef>
+        </p:style>
+        <p:txBody>
+          <a:bodyPr rtlCol="0" anchor="ctr"/>
+          <a:lstStyle/>
+          <a:p>
+            <a:pPr marL="0" marR="0" lvl="0" indent="0" algn="ctr" defTabSz="914400" rtl="0" eaLnBrk="1" fontAlgn="auto" latinLnBrk="0" hangingPunct="1">
+              <a:lnSpc>
+                <a:spcPct val="100000"/>
+              </a:lnSpc>
+              <a:spcBef>
+                <a:spcPts val="0"/>
+              </a:spcBef>
+              <a:spcAft>
+                <a:spcPts val="0"/>
+              </a:spcAft>
+              <a:buClrTx/>
+              <a:buSzTx/>
+              <a:buFontTx/>
+              <a:buNone/>
+              <a:tabLst/>
+              <a:defRPr/>
+            </a:pPr>
+            <a:endParaRPr kumimoji="0" lang="en-US" sz="1800" b="0" i="0" u="none" strike="noStrike" kern="1200" cap="none" spc="0" normalizeH="0" baseline="0" noProof="0">
+              <a:ln>
+                <a:noFill/>
+              </a:ln>
+              <a:solidFill>
+                <a:srgbClr val="FFFFFF"/>
+              </a:solidFill>
+              <a:effectLst/>
+              <a:uLnTx/>
+              <a:uFillTx/>
+              <a:latin typeface="Calibri" panose="020F0502020204030204"/>
+              <a:ea typeface="+mn-ea"/>
+              <a:cs typeface="+mn-cs"/>
+            </a:endParaRPr>
+          </a:p>
+        </p:txBody>
+      </p:sp>
+      <p:sp>
+        <p:nvSpPr>
+          <p:cNvPr id="2" name="Título 1">
+            <a:extLst>
+              <a:ext uri="{FF2B5EF4-FFF2-40B4-BE49-F238E27FC236}">
+                <a16:creationId xmlns:a16="http://schemas.microsoft.com/office/drawing/2014/main" id="{0EE85151-50C6-E487-71F0-E6015371AF26}"/>
+              </a:ext>
+            </a:extLst>
+          </p:cNvPr>
+          <p:cNvSpPr>
+            <a:spLocks noGrp="1"/>
+          </p:cNvSpPr>
+          <p:nvPr>
+            <p:ph type="title"/>
+          </p:nvPr>
+        </p:nvSpPr>
+        <p:spPr>
+          <a:xfrm>
+            <a:off x="777240" y="731519"/>
+            <a:ext cx="2845191" cy="3237579"/>
+          </a:xfrm>
+        </p:spPr>
+        <p:txBody>
+          <a:bodyPr>
+            <a:normAutofit/>
+          </a:bodyPr>
+          <a:lstStyle/>
+          <a:p>
+            <a:r>
+              <a:rPr lang="es-ES" sz="3800">
+                <a:solidFill>
+                  <a:srgbClr val="FFFFFF"/>
+                </a:solidFill>
+              </a:rPr>
+              <a:t>NIVELES</a:t>
+            </a:r>
+          </a:p>
+        </p:txBody>
+      </p:sp>
+      <p:sp>
+        <p:nvSpPr>
+          <p:cNvPr id="10" name="Rectangle 9">
+            <a:extLst>
+              <a:ext uri="{FF2B5EF4-FFF2-40B4-BE49-F238E27FC236}">
+                <a16:creationId xmlns:a16="http://schemas.microsoft.com/office/drawing/2014/main" id="{6166C6D1-23AC-49C4-BA07-238E4E9F8CEB}"/>
+              </a:ext>
+              <a:ext uri="{C183D7F6-B498-43B3-948B-1728B52AA6E4}">
+                <adec:decorative xmlns:adec="http://schemas.microsoft.com/office/drawing/2017/decorative" val="1"/>
+              </a:ext>
+            </a:extLst>
+          </p:cNvPr>
+          <p:cNvSpPr>
+            <a:spLocks noGrp="1" noRot="1" noChangeAspect="1" noMove="1" noResize="1" noEditPoints="1" noAdjustHandles="1" noChangeArrowheads="1" noChangeShapeType="1" noTextEdit="1"/>
+          </p:cNvSpPr>
+          <p:nvPr>
+            <p:extLst>
+              <p:ext uri="{386F3935-93C4-4BCD-93E2-E3B085C9AB24}">
+                <p16:designElem xmlns:p16="http://schemas.microsoft.com/office/powerpoint/2015/main" val="1"/>
+              </p:ext>
+            </p:extLst>
+          </p:nvPr>
+        </p:nvSpPr>
+        <p:spPr>
+          <a:xfrm>
+            <a:off x="466343" y="4419227"/>
+            <a:ext cx="3414369" cy="1979852"/>
+          </a:xfrm>
+          <a:prstGeom prst="rect">
+            <a:avLst/>
+          </a:prstGeom>
+          <a:solidFill>
+            <a:schemeClr val="accent1">
+              <a:alpha val="95000"/>
+            </a:schemeClr>
+          </a:solidFill>
+          <a:ln w="25400">
+            <a:noFill/>
+          </a:ln>
+        </p:spPr>
+        <p:style>
+          <a:lnRef idx="2">
+            <a:schemeClr val="accent1">
+              <a:shade val="50000"/>
+            </a:schemeClr>
+          </a:lnRef>
+          <a:fillRef idx="1">
+            <a:schemeClr val="accent1"/>
+          </a:fillRef>
+          <a:effectRef idx="0">
+            <a:schemeClr val="accent1"/>
+          </a:effectRef>
+          <a:fontRef idx="minor">
+            <a:schemeClr val="lt1"/>
+          </a:fontRef>
+        </p:style>
+        <p:txBody>
+          <a:bodyPr rtlCol="0" anchor="ctr"/>
+          <a:lstStyle/>
+          <a:p>
+            <a:pPr marL="0" marR="0" lvl="0" indent="0" algn="ctr" defTabSz="914400" rtl="0" eaLnBrk="1" fontAlgn="auto" latinLnBrk="0" hangingPunct="1">
+              <a:lnSpc>
+                <a:spcPct val="100000"/>
+              </a:lnSpc>
+              <a:spcBef>
+                <a:spcPts val="0"/>
+              </a:spcBef>
+              <a:spcAft>
+                <a:spcPts val="0"/>
+              </a:spcAft>
+              <a:buClrTx/>
+              <a:buSzTx/>
+              <a:buFontTx/>
+              <a:buNone/>
+              <a:tabLst/>
+              <a:defRPr/>
+            </a:pPr>
+            <a:endParaRPr kumimoji="0" lang="en-US" sz="1800" b="0" i="0" u="none" strike="noStrike" kern="1200" cap="none" spc="0" normalizeH="0" baseline="0" noProof="0" dirty="0">
+              <a:ln>
+                <a:noFill/>
+              </a:ln>
+              <a:solidFill>
+                <a:srgbClr val="FFFFFF"/>
+              </a:solidFill>
+              <a:effectLst/>
+              <a:uLnTx/>
+              <a:uFillTx/>
+              <a:latin typeface="Calibri" panose="020F0502020204030204"/>
+              <a:ea typeface="+mn-ea"/>
+              <a:cs typeface="+mn-cs"/>
+            </a:endParaRPr>
+          </a:p>
+        </p:txBody>
+      </p:sp>
+      <p:sp>
+        <p:nvSpPr>
+          <p:cNvPr id="12" name="Rectangle 11">
+            <a:extLst>
+              <a:ext uri="{FF2B5EF4-FFF2-40B4-BE49-F238E27FC236}">
+                <a16:creationId xmlns:a16="http://schemas.microsoft.com/office/drawing/2014/main" id="{1C091803-41C2-48E0-9228-5148460C7479}"/>
+              </a:ext>
+              <a:ext uri="{C183D7F6-B498-43B3-948B-1728B52AA6E4}">
+                <adec:decorative xmlns:adec="http://schemas.microsoft.com/office/drawing/2017/decorative" val="1"/>
+              </a:ext>
+            </a:extLst>
+          </p:cNvPr>
+          <p:cNvSpPr>
+            <a:spLocks noGrp="1" noRot="1" noChangeAspect="1" noMove="1" noResize="1" noEditPoints="1" noAdjustHandles="1" noChangeArrowheads="1" noChangeShapeType="1" noTextEdit="1"/>
+          </p:cNvSpPr>
+          <p:nvPr>
+            <p:extLst>
+              <p:ext uri="{386F3935-93C4-4BCD-93E2-E3B085C9AB24}">
+                <p16:designElem xmlns:p16="http://schemas.microsoft.com/office/powerpoint/2015/main" val="1"/>
+              </p:ext>
+            </p:extLst>
+          </p:nvPr>
+        </p:nvSpPr>
+        <p:spPr>
+          <a:xfrm>
+            <a:off x="4044603" y="448055"/>
+            <a:ext cx="7688475" cy="5952745"/>
+          </a:xfrm>
+          <a:prstGeom prst="rect">
+            <a:avLst/>
+          </a:prstGeom>
+          <a:solidFill>
+            <a:schemeClr val="tx1">
+              <a:lumMod val="50000"/>
+              <a:lumOff val="50000"/>
+              <a:alpha val="20000"/>
+            </a:schemeClr>
+          </a:solidFill>
+          <a:ln>
+            <a:noFill/>
+          </a:ln>
+        </p:spPr>
+        <p:style>
+          <a:lnRef idx="2">
+            <a:schemeClr val="accent1">
+              <a:shade val="50000"/>
+            </a:schemeClr>
+          </a:lnRef>
+          <a:fillRef idx="1">
+            <a:schemeClr val="accent1"/>
+          </a:fillRef>
+          <a:effectRef idx="0">
+            <a:schemeClr val="accent1"/>
+          </a:effectRef>
+          <a:fontRef idx="minor">
+            <a:schemeClr val="lt1"/>
+          </a:fontRef>
+        </p:style>
+        <p:txBody>
+          <a:bodyPr rtlCol="0" anchor="ctr"/>
+          <a:lstStyle/>
+          <a:p>
+            <a:pPr marL="0" marR="0" lvl="0" indent="0" algn="ctr" defTabSz="914400" rtl="0" eaLnBrk="1" fontAlgn="auto" latinLnBrk="0" hangingPunct="1">
+              <a:lnSpc>
+                <a:spcPct val="100000"/>
+              </a:lnSpc>
+              <a:spcBef>
+                <a:spcPts val="0"/>
+              </a:spcBef>
+              <a:spcAft>
+                <a:spcPts val="0"/>
+              </a:spcAft>
+              <a:buClrTx/>
+              <a:buSzTx/>
+              <a:buFontTx/>
+              <a:buNone/>
+              <a:tabLst/>
+              <a:defRPr/>
+            </a:pPr>
+            <a:endParaRPr kumimoji="0" lang="en-US" sz="1800" b="0" i="0" u="none" strike="noStrike" kern="1200" cap="none" spc="0" normalizeH="0" baseline="0" noProof="0">
+              <a:ln>
+                <a:noFill/>
+              </a:ln>
+              <a:solidFill>
+                <a:prstClr val="white"/>
+              </a:solidFill>
+              <a:effectLst/>
+              <a:uLnTx/>
+              <a:uFillTx/>
+              <a:latin typeface="Calibri" panose="020F0502020204030204"/>
+              <a:ea typeface="+mn-ea"/>
+              <a:cs typeface="+mn-cs"/>
+            </a:endParaRPr>
+          </a:p>
+        </p:txBody>
+      </p:sp>
+      <p:sp>
+        <p:nvSpPr>
+          <p:cNvPr id="3" name="Marcador de contenido 2">
+            <a:extLst>
+              <a:ext uri="{FF2B5EF4-FFF2-40B4-BE49-F238E27FC236}">
+                <a16:creationId xmlns:a16="http://schemas.microsoft.com/office/drawing/2014/main" id="{22333BF5-47C3-252F-227F-47C20602E7A7}"/>
+              </a:ext>
+            </a:extLst>
+          </p:cNvPr>
+          <p:cNvSpPr>
+            <a:spLocks noGrp="1"/>
+          </p:cNvSpPr>
+          <p:nvPr>
+            <p:ph idx="1"/>
+          </p:nvPr>
+        </p:nvSpPr>
+        <p:spPr>
+          <a:xfrm>
+            <a:off x="4379709" y="686862"/>
+            <a:ext cx="7037591" cy="5475129"/>
+          </a:xfrm>
+        </p:spPr>
+        <p:txBody>
+          <a:bodyPr anchor="ctr">
+            <a:normAutofit/>
+          </a:bodyPr>
+          <a:lstStyle/>
+          <a:p>
+            <a:pPr algn="just"/>
+            <a:r>
+              <a:rPr lang="es-ES" sz="2200" dirty="0">
+                <a:effectLst/>
+                <a:latin typeface="Arial" panose="020B0604020202020204" pitchFamily="34" charset="0"/>
+              </a:rPr>
+              <a:t>Los niveles se refieren a la columna de BBDD o a la propiedad concreta de la dimensión.</a:t>
+            </a:r>
+          </a:p>
+          <a:p>
+            <a:pPr algn="just"/>
+            <a:r>
+              <a:rPr lang="es-ES" sz="2200" dirty="0">
+                <a:effectLst/>
+                <a:latin typeface="Arial" panose="020B0604020202020204" pitchFamily="34" charset="0"/>
+              </a:rPr>
+              <a:t>Estos niveles se organizan de las propiedades con menos registros únicos hasta la propiedad grano de la dimensión, es decir, la propiedad con más registros únicos.</a:t>
+            </a:r>
+          </a:p>
+          <a:p>
+            <a:pPr algn="just"/>
+            <a:r>
+              <a:rPr lang="es-ES" sz="2200" dirty="0">
+                <a:effectLst/>
+                <a:latin typeface="Arial" panose="020B0604020202020204" pitchFamily="34" charset="0"/>
+              </a:rPr>
+              <a:t>Tomando lo anterior, podemos imaginarlo como una pirámide, donde en la punta tenemos el nivel menos específico, con menos registros únicos y conforme bajamos vamos obteniendo mayor cantidad de registros únicos, hasta llegar a la más específica, al grano de la dimensión. </a:t>
+            </a:r>
+          </a:p>
+          <a:p>
+            <a:pPr algn="just"/>
+            <a:r>
+              <a:rPr lang="es-ES" sz="2200" dirty="0">
+                <a:effectLst/>
+                <a:latin typeface="Arial" panose="020B0604020202020204" pitchFamily="34" charset="0"/>
+              </a:rPr>
+              <a:t>Es requisito indispensable seguir este orden para un correcto funcionamiento de las consultas.</a:t>
+            </a:r>
+            <a:endParaRPr lang="es-ES" sz="2200" dirty="0"/>
+          </a:p>
+        </p:txBody>
+      </p:sp>
+    </p:spTree>
+    <p:extLst>
+      <p:ext uri="{BB962C8B-B14F-4D97-AF65-F5344CB8AC3E}">
+        <p14:creationId xmlns:p14="http://schemas.microsoft.com/office/powerpoint/2010/main" val="3426595633"/>
+      </p:ext>
+    </p:extLst>
+  </p:cSld>
+  <p:clrMapOvr>
+    <a:masterClrMapping/>
+  </p:clrMapOvr>
+</p:sld>
+</file>
+
+<file path=ppt/slides/slide28.xml><?xml version="1.0" encoding="utf-8"?>
+<p:sld xmlns:a="http://schemas.openxmlformats.org/drawingml/2006/main" xmlns:r="http://schemas.openxmlformats.org/officeDocument/2006/relationships" xmlns:p="http://schemas.openxmlformats.org/presentationml/2006/main">
+  <p:cSld>
+    <p:bg>
+      <p:bgPr>
+        <a:solidFill>
+          <a:schemeClr val="bg1"/>
+        </a:solidFill>
+        <a:effectLst/>
+      </p:bgPr>
+    </p:bg>
+    <p:spTree>
+      <p:nvGrpSpPr>
+        <p:cNvPr id="1" name=""/>
+        <p:cNvGrpSpPr/>
+        <p:nvPr/>
+      </p:nvGrpSpPr>
+      <p:grpSpPr>
+        <a:xfrm>
+          <a:off x="0" y="0"/>
+          <a:ext cx="0" cy="0"/>
+          <a:chOff x="0" y="0"/>
+          <a:chExt cx="0" cy="0"/>
+        </a:xfrm>
+      </p:grpSpPr>
+      <p:sp>
+        <p:nvSpPr>
+          <p:cNvPr id="23" name="Rectangle 13">
+            <a:extLst>
+              <a:ext uri="{FF2B5EF4-FFF2-40B4-BE49-F238E27FC236}">
+                <a16:creationId xmlns:a16="http://schemas.microsoft.com/office/drawing/2014/main" id="{CDA1A2E9-63FE-408D-A803-8E306ECAB4B3}"/>
+              </a:ext>
+              <a:ext uri="{C183D7F6-B498-43B3-948B-1728B52AA6E4}">
+                <adec:decorative xmlns:adec="http://schemas.microsoft.com/office/drawing/2017/decorative" val="1"/>
+              </a:ext>
+            </a:extLst>
+          </p:cNvPr>
+          <p:cNvSpPr>
+            <a:spLocks noGrp="1" noRot="1" noChangeAspect="1" noMove="1" noResize="1" noEditPoints="1" noAdjustHandles="1" noChangeArrowheads="1" noChangeShapeType="1" noTextEdit="1"/>
+          </p:cNvSpPr>
+          <p:nvPr>
+            <p:extLst>
+              <p:ext uri="{386F3935-93C4-4BCD-93E2-E3B085C9AB24}">
+                <p16:designElem xmlns:p16="http://schemas.microsoft.com/office/powerpoint/2015/main" val="1"/>
+              </p:ext>
+            </p:extLst>
+          </p:nvPr>
+        </p:nvSpPr>
+        <p:spPr>
+          <a:xfrm>
+            <a:off x="462058" y="450221"/>
+            <a:ext cx="11272742" cy="3918123"/>
+          </a:xfrm>
+          <a:prstGeom prst="rect">
+            <a:avLst/>
+          </a:prstGeom>
+          <a:solidFill>
+            <a:srgbClr val="595959"/>
+          </a:solidFill>
+          <a:ln w="25400">
+            <a:noFill/>
+          </a:ln>
+        </p:spPr>
+        <p:style>
+          <a:lnRef idx="2">
+            <a:schemeClr val="accent1">
+              <a:shade val="50000"/>
+            </a:schemeClr>
+          </a:lnRef>
+          <a:fillRef idx="1">
+            <a:schemeClr val="accent1"/>
+          </a:fillRef>
+          <a:effectRef idx="0">
+            <a:schemeClr val="accent1"/>
+          </a:effectRef>
+          <a:fontRef idx="minor">
+            <a:schemeClr val="lt1"/>
+          </a:fontRef>
+        </p:style>
+        <p:txBody>
+          <a:bodyPr rtlCol="0" anchor="ctr"/>
+          <a:lstStyle/>
+          <a:p>
+            <a:pPr marL="0" marR="0" lvl="0" indent="0" algn="ctr" defTabSz="914400" rtl="0" eaLnBrk="1" fontAlgn="auto" latinLnBrk="0" hangingPunct="1">
+              <a:lnSpc>
+                <a:spcPct val="100000"/>
+              </a:lnSpc>
+              <a:spcBef>
+                <a:spcPts val="0"/>
+              </a:spcBef>
+              <a:spcAft>
+                <a:spcPts val="0"/>
+              </a:spcAft>
+              <a:buClrTx/>
+              <a:buSzTx/>
+              <a:buFontTx/>
+              <a:buNone/>
+              <a:tabLst/>
+              <a:defRPr/>
+            </a:pPr>
+            <a:endParaRPr kumimoji="0" lang="en-US" sz="1800" b="0" i="0" u="none" strike="noStrike" kern="1200" cap="none" spc="0" normalizeH="0" baseline="0" noProof="0">
+              <a:ln>
+                <a:noFill/>
+              </a:ln>
+              <a:solidFill>
+                <a:srgbClr val="FFFFFF"/>
+              </a:solidFill>
+              <a:effectLst/>
+              <a:uLnTx/>
+              <a:uFillTx/>
+              <a:latin typeface="Calibri" panose="020F0502020204030204"/>
+              <a:ea typeface="+mn-ea"/>
+              <a:cs typeface="+mn-cs"/>
+            </a:endParaRPr>
+          </a:p>
+        </p:txBody>
+      </p:sp>
+      <p:sp>
+        <p:nvSpPr>
+          <p:cNvPr id="2" name="Título 1">
+            <a:extLst>
+              <a:ext uri="{FF2B5EF4-FFF2-40B4-BE49-F238E27FC236}">
+                <a16:creationId xmlns:a16="http://schemas.microsoft.com/office/drawing/2014/main" id="{FFE314A9-8F49-89CD-F349-C151D36E85AD}"/>
+              </a:ext>
+            </a:extLst>
+          </p:cNvPr>
+          <p:cNvSpPr>
+            <a:spLocks noGrp="1"/>
+          </p:cNvSpPr>
+          <p:nvPr>
+            <p:ph type="title"/>
+          </p:nvPr>
+        </p:nvSpPr>
+        <p:spPr>
+          <a:xfrm>
+            <a:off x="1100669" y="1097339"/>
+            <a:ext cx="10011831" cy="2623885"/>
+          </a:xfrm>
+        </p:spPr>
+        <p:txBody>
+          <a:bodyPr vert="horz" lIns="91440" tIns="45720" rIns="91440" bIns="45720" rtlCol="0" anchor="ctr">
+            <a:normAutofit/>
+          </a:bodyPr>
+          <a:lstStyle/>
+          <a:p>
+            <a:pPr algn="ctr"/>
+            <a:r>
+              <a:rPr lang="en-US" sz="6600" kern="1200" dirty="0">
+                <a:solidFill>
+                  <a:srgbClr val="FFFFFF"/>
+                </a:solidFill>
+                <a:latin typeface="+mj-lt"/>
+                <a:ea typeface="+mj-ea"/>
+                <a:cs typeface="+mj-cs"/>
+              </a:rPr>
+              <a:t>DEMO: CREANDO NUESTRO PRIMER CUBO MONDRIAN</a:t>
+            </a:r>
+          </a:p>
+        </p:txBody>
+      </p:sp>
+      <p:sp>
+        <p:nvSpPr>
+          <p:cNvPr id="25" name="Rectangle 15">
+            <a:extLst>
+              <a:ext uri="{FF2B5EF4-FFF2-40B4-BE49-F238E27FC236}">
+                <a16:creationId xmlns:a16="http://schemas.microsoft.com/office/drawing/2014/main" id="{DAE8F46F-D590-45CD-AF41-A04DC11D1BB4}"/>
+              </a:ext>
+              <a:ext uri="{C183D7F6-B498-43B3-948B-1728B52AA6E4}">
+                <adec:decorative xmlns:adec="http://schemas.microsoft.com/office/drawing/2017/decorative" val="1"/>
+              </a:ext>
+            </a:extLst>
+          </p:cNvPr>
+          <p:cNvSpPr>
+            <a:spLocks noGrp="1" noRot="1" noChangeAspect="1" noMove="1" noResize="1" noEditPoints="1" noAdjustHandles="1" noChangeArrowheads="1" noChangeShapeType="1" noTextEdit="1"/>
+          </p:cNvSpPr>
+          <p:nvPr>
+            <p:extLst>
+              <p:ext uri="{386F3935-93C4-4BCD-93E2-E3B085C9AB24}">
+                <p16:designElem xmlns:p16="http://schemas.microsoft.com/office/powerpoint/2015/main" val="1"/>
+              </p:ext>
+            </p:extLst>
+          </p:nvPr>
+        </p:nvSpPr>
+        <p:spPr>
+          <a:xfrm>
+            <a:off x="457200" y="4517136"/>
+            <a:ext cx="2112264" cy="1892808"/>
+          </a:xfrm>
+          <a:prstGeom prst="rect">
+            <a:avLst/>
+          </a:prstGeom>
+          <a:solidFill>
+            <a:schemeClr val="accent1">
+              <a:alpha val="95000"/>
+            </a:schemeClr>
+          </a:solidFill>
+          <a:ln w="25400">
+            <a:noFill/>
+          </a:ln>
+        </p:spPr>
+        <p:style>
+          <a:lnRef idx="2">
+            <a:schemeClr val="accent1">
+              <a:shade val="50000"/>
+            </a:schemeClr>
+          </a:lnRef>
+          <a:fillRef idx="1">
+            <a:schemeClr val="accent1"/>
+          </a:fillRef>
+          <a:effectRef idx="0">
+            <a:schemeClr val="accent1"/>
+          </a:effectRef>
+          <a:fontRef idx="minor">
+            <a:schemeClr val="lt1"/>
+          </a:fontRef>
+        </p:style>
+        <p:txBody>
+          <a:bodyPr rtlCol="0" anchor="ctr"/>
+          <a:lstStyle/>
+          <a:p>
+            <a:pPr marL="0" marR="0" lvl="0" indent="0" algn="ctr" defTabSz="914400" rtl="0" eaLnBrk="1" fontAlgn="auto" latinLnBrk="0" hangingPunct="1">
+              <a:lnSpc>
+                <a:spcPct val="100000"/>
+              </a:lnSpc>
+              <a:spcBef>
+                <a:spcPts val="0"/>
+              </a:spcBef>
+              <a:spcAft>
+                <a:spcPts val="0"/>
+              </a:spcAft>
+              <a:buClrTx/>
+              <a:buSzTx/>
+              <a:buFontTx/>
+              <a:buNone/>
+              <a:tabLst/>
+              <a:defRPr/>
+            </a:pPr>
+            <a:endParaRPr kumimoji="0" lang="en-US" sz="1800" b="0" i="0" u="none" strike="noStrike" kern="1200" cap="none" spc="0" normalizeH="0" baseline="0" noProof="0">
+              <a:ln>
+                <a:noFill/>
+              </a:ln>
+              <a:solidFill>
+                <a:srgbClr val="FFFFFF"/>
+              </a:solidFill>
+              <a:effectLst/>
+              <a:uLnTx/>
+              <a:uFillTx/>
+              <a:latin typeface="Calibri" panose="020F0502020204030204"/>
+              <a:ea typeface="+mn-ea"/>
+              <a:cs typeface="+mn-cs"/>
+            </a:endParaRPr>
+          </a:p>
+        </p:txBody>
+      </p:sp>
+      <p:sp>
+        <p:nvSpPr>
+          <p:cNvPr id="26" name="Rectangle 17">
+            <a:extLst>
+              <a:ext uri="{FF2B5EF4-FFF2-40B4-BE49-F238E27FC236}">
+                <a16:creationId xmlns:a16="http://schemas.microsoft.com/office/drawing/2014/main" id="{FBE9F90C-C163-435B-9A68-D15C92D1CF2B}"/>
+              </a:ext>
+              <a:ext uri="{C183D7F6-B498-43B3-948B-1728B52AA6E4}">
+                <adec:decorative xmlns:adec="http://schemas.microsoft.com/office/drawing/2017/decorative" val="1"/>
+              </a:ext>
+            </a:extLst>
+          </p:cNvPr>
+          <p:cNvSpPr>
+            <a:spLocks noGrp="1" noRot="1" noChangeAspect="1" noMove="1" noResize="1" noEditPoints="1" noAdjustHandles="1" noChangeArrowheads="1" noChangeShapeType="1" noTextEdit="1"/>
+          </p:cNvSpPr>
+          <p:nvPr>
+            <p:extLst>
+              <p:ext uri="{386F3935-93C4-4BCD-93E2-E3B085C9AB24}">
+                <p16:designElem xmlns:p16="http://schemas.microsoft.com/office/powerpoint/2015/main" val="1"/>
+              </p:ext>
+            </p:extLst>
+          </p:nvPr>
+        </p:nvSpPr>
+        <p:spPr>
+          <a:xfrm>
+            <a:off x="2733989" y="4521269"/>
+            <a:ext cx="6720830" cy="1877811"/>
+          </a:xfrm>
+          <a:prstGeom prst="rect">
+            <a:avLst/>
+          </a:prstGeom>
+          <a:solidFill>
+            <a:srgbClr val="7F7F7F">
+              <a:alpha val="20000"/>
+            </a:srgbClr>
+          </a:solidFill>
+          <a:ln w="25400">
+            <a:noFill/>
+          </a:ln>
+        </p:spPr>
+        <p:style>
+          <a:lnRef idx="2">
+            <a:schemeClr val="accent1">
+              <a:shade val="50000"/>
+            </a:schemeClr>
+          </a:lnRef>
+          <a:fillRef idx="1">
+            <a:schemeClr val="accent1"/>
+          </a:fillRef>
+          <a:effectRef idx="0">
+            <a:schemeClr val="accent1"/>
+          </a:effectRef>
+          <a:fontRef idx="minor">
+            <a:schemeClr val="lt1"/>
+          </a:fontRef>
+        </p:style>
+        <p:txBody>
+          <a:bodyPr rtlCol="0" anchor="ctr"/>
+          <a:lstStyle/>
+          <a:p>
+            <a:pPr marL="0" marR="0" lvl="0" indent="0" algn="ctr" defTabSz="914400" rtl="0" eaLnBrk="1" fontAlgn="auto" latinLnBrk="0" hangingPunct="1">
+              <a:lnSpc>
+                <a:spcPct val="100000"/>
+              </a:lnSpc>
+              <a:spcBef>
+                <a:spcPts val="0"/>
+              </a:spcBef>
+              <a:spcAft>
+                <a:spcPts val="0"/>
+              </a:spcAft>
+              <a:buClrTx/>
+              <a:buSzTx/>
+              <a:buFontTx/>
+              <a:buNone/>
+              <a:tabLst/>
+              <a:defRPr/>
+            </a:pPr>
+            <a:endParaRPr kumimoji="0" lang="en-US" sz="1800" b="0" i="0" u="none" strike="noStrike" kern="1200" cap="none" spc="0" normalizeH="0" baseline="0" noProof="0">
+              <a:ln>
+                <a:noFill/>
+              </a:ln>
+              <a:solidFill>
+                <a:srgbClr val="FFFFFF"/>
+              </a:solidFill>
+              <a:effectLst/>
+              <a:uLnTx/>
+              <a:uFillTx/>
+              <a:latin typeface="Calibri" panose="020F0502020204030204"/>
+              <a:ea typeface="+mn-ea"/>
+              <a:cs typeface="+mn-cs"/>
+            </a:endParaRPr>
+          </a:p>
+        </p:txBody>
+      </p:sp>
+      <p:sp>
+        <p:nvSpPr>
+          <p:cNvPr id="27" name="Rectangle 19">
+            <a:extLst>
+              <a:ext uri="{FF2B5EF4-FFF2-40B4-BE49-F238E27FC236}">
+                <a16:creationId xmlns:a16="http://schemas.microsoft.com/office/drawing/2014/main" id="{1A882A9F-F4E9-4E23-8F0B-20B5DF42EAA9}"/>
+              </a:ext>
+              <a:ext uri="{C183D7F6-B498-43B3-948B-1728B52AA6E4}">
+                <adec:decorative xmlns:adec="http://schemas.microsoft.com/office/drawing/2017/decorative" val="1"/>
+              </a:ext>
+            </a:extLst>
+          </p:cNvPr>
+          <p:cNvSpPr>
+            <a:spLocks noGrp="1" noRot="1" noChangeAspect="1" noMove="1" noResize="1" noEditPoints="1" noAdjustHandles="1" noChangeArrowheads="1" noChangeShapeType="1" noTextEdit="1"/>
+          </p:cNvSpPr>
+          <p:nvPr>
+            <p:extLst>
+              <p:ext uri="{386F3935-93C4-4BCD-93E2-E3B085C9AB24}">
+                <p16:designElem xmlns:p16="http://schemas.microsoft.com/office/powerpoint/2015/main" val="1"/>
+              </p:ext>
+            </p:extLst>
+          </p:nvPr>
+        </p:nvSpPr>
+        <p:spPr>
+          <a:xfrm>
+            <a:off x="9619345" y="4521270"/>
+            <a:ext cx="2115455" cy="1890204"/>
+          </a:xfrm>
+          <a:prstGeom prst="rect">
+            <a:avLst/>
+          </a:prstGeom>
+          <a:solidFill>
+            <a:srgbClr val="A5A5A5"/>
+          </a:solidFill>
+          <a:ln w="25400">
+            <a:noFill/>
+          </a:ln>
+        </p:spPr>
+        <p:style>
+          <a:lnRef idx="2">
+            <a:schemeClr val="accent1">
+              <a:shade val="50000"/>
+            </a:schemeClr>
+          </a:lnRef>
+          <a:fillRef idx="1">
+            <a:schemeClr val="accent1"/>
+          </a:fillRef>
+          <a:effectRef idx="0">
+            <a:schemeClr val="accent1"/>
+          </a:effectRef>
+          <a:fontRef idx="minor">
+            <a:schemeClr val="lt1"/>
+          </a:fontRef>
+        </p:style>
+        <p:txBody>
+          <a:bodyPr rtlCol="0" anchor="ctr"/>
+          <a:lstStyle/>
+          <a:p>
+            <a:pPr marL="0" marR="0" lvl="0" indent="0" algn="ctr" defTabSz="914400" rtl="0" eaLnBrk="1" fontAlgn="auto" latinLnBrk="0" hangingPunct="1">
+              <a:lnSpc>
+                <a:spcPct val="100000"/>
+              </a:lnSpc>
+              <a:spcBef>
+                <a:spcPts val="0"/>
+              </a:spcBef>
+              <a:spcAft>
+                <a:spcPts val="0"/>
+              </a:spcAft>
+              <a:buClrTx/>
+              <a:buSzTx/>
+              <a:buFontTx/>
+              <a:buNone/>
+              <a:tabLst/>
+              <a:defRPr/>
+            </a:pPr>
+            <a:endParaRPr kumimoji="0" lang="en-US" sz="1800" b="0" i="0" u="none" strike="noStrike" kern="1200" cap="none" spc="0" normalizeH="0" baseline="0" noProof="0">
+              <a:ln>
+                <a:noFill/>
+              </a:ln>
+              <a:solidFill>
+                <a:srgbClr val="FFFFFF"/>
+              </a:solidFill>
+              <a:effectLst/>
+              <a:uLnTx/>
+              <a:uFillTx/>
+              <a:latin typeface="Calibri" panose="020F0502020204030204"/>
+              <a:ea typeface="+mn-ea"/>
+              <a:cs typeface="+mn-cs"/>
+            </a:endParaRPr>
+          </a:p>
+        </p:txBody>
+      </p:sp>
+    </p:spTree>
+    <p:extLst>
+      <p:ext uri="{BB962C8B-B14F-4D97-AF65-F5344CB8AC3E}">
+        <p14:creationId xmlns:p14="http://schemas.microsoft.com/office/powerpoint/2010/main" val="2354263319"/>
       </p:ext>
     </p:extLst>
   </p:cSld>

--- a/PRESENTACIONES/5. Pentaho.pptx
+++ b/PRESENTACIONES/5. Pentaho.pptx
@@ -286,7 +286,7 @@
           <a:p>
             <a:fld id="{07B54D71-93FF-4FE9-8FBA-4F7CF4208026}" type="datetimeFigureOut">
               <a:rPr lang="es-ES" smtClean="0"/>
-              <a:t>17/02/2023</a:t>
+              <a:t>23/02/2023</a:t>
             </a:fld>
             <a:endParaRPr lang="es-ES"/>
           </a:p>
@@ -484,7 +484,7 @@
           <a:p>
             <a:fld id="{07B54D71-93FF-4FE9-8FBA-4F7CF4208026}" type="datetimeFigureOut">
               <a:rPr lang="es-ES" smtClean="0"/>
-              <a:t>17/02/2023</a:t>
+              <a:t>23/02/2023</a:t>
             </a:fld>
             <a:endParaRPr lang="es-ES"/>
           </a:p>
@@ -692,7 +692,7 @@
           <a:p>
             <a:fld id="{07B54D71-93FF-4FE9-8FBA-4F7CF4208026}" type="datetimeFigureOut">
               <a:rPr lang="es-ES" smtClean="0"/>
-              <a:t>17/02/2023</a:t>
+              <a:t>23/02/2023</a:t>
             </a:fld>
             <a:endParaRPr lang="es-ES"/>
           </a:p>
@@ -890,7 +890,7 @@
           <a:p>
             <a:fld id="{07B54D71-93FF-4FE9-8FBA-4F7CF4208026}" type="datetimeFigureOut">
               <a:rPr lang="es-ES" smtClean="0"/>
-              <a:t>17/02/2023</a:t>
+              <a:t>23/02/2023</a:t>
             </a:fld>
             <a:endParaRPr lang="es-ES"/>
           </a:p>
@@ -1165,7 +1165,7 @@
           <a:p>
             <a:fld id="{07B54D71-93FF-4FE9-8FBA-4F7CF4208026}" type="datetimeFigureOut">
               <a:rPr lang="es-ES" smtClean="0"/>
-              <a:t>17/02/2023</a:t>
+              <a:t>23/02/2023</a:t>
             </a:fld>
             <a:endParaRPr lang="es-ES"/>
           </a:p>
@@ -1430,7 +1430,7 @@
           <a:p>
             <a:fld id="{07B54D71-93FF-4FE9-8FBA-4F7CF4208026}" type="datetimeFigureOut">
               <a:rPr lang="es-ES" smtClean="0"/>
-              <a:t>17/02/2023</a:t>
+              <a:t>23/02/2023</a:t>
             </a:fld>
             <a:endParaRPr lang="es-ES"/>
           </a:p>
@@ -1842,7 +1842,7 @@
           <a:p>
             <a:fld id="{07B54D71-93FF-4FE9-8FBA-4F7CF4208026}" type="datetimeFigureOut">
               <a:rPr lang="es-ES" smtClean="0"/>
-              <a:t>17/02/2023</a:t>
+              <a:t>23/02/2023</a:t>
             </a:fld>
             <a:endParaRPr lang="es-ES"/>
           </a:p>
@@ -1983,7 +1983,7 @@
           <a:p>
             <a:fld id="{07B54D71-93FF-4FE9-8FBA-4F7CF4208026}" type="datetimeFigureOut">
               <a:rPr lang="es-ES" smtClean="0"/>
-              <a:t>17/02/2023</a:t>
+              <a:t>23/02/2023</a:t>
             </a:fld>
             <a:endParaRPr lang="es-ES"/>
           </a:p>
@@ -2096,7 +2096,7 @@
           <a:p>
             <a:fld id="{07B54D71-93FF-4FE9-8FBA-4F7CF4208026}" type="datetimeFigureOut">
               <a:rPr lang="es-ES" smtClean="0"/>
-              <a:t>17/02/2023</a:t>
+              <a:t>23/02/2023</a:t>
             </a:fld>
             <a:endParaRPr lang="es-ES"/>
           </a:p>
@@ -2407,7 +2407,7 @@
           <a:p>
             <a:fld id="{07B54D71-93FF-4FE9-8FBA-4F7CF4208026}" type="datetimeFigureOut">
               <a:rPr lang="es-ES" smtClean="0"/>
-              <a:t>17/02/2023</a:t>
+              <a:t>23/02/2023</a:t>
             </a:fld>
             <a:endParaRPr lang="es-ES"/>
           </a:p>
@@ -2695,7 +2695,7 @@
           <a:p>
             <a:fld id="{07B54D71-93FF-4FE9-8FBA-4F7CF4208026}" type="datetimeFigureOut">
               <a:rPr lang="es-ES" smtClean="0"/>
-              <a:t>17/02/2023</a:t>
+              <a:t>23/02/2023</a:t>
             </a:fld>
             <a:endParaRPr lang="es-ES"/>
           </a:p>
@@ -2936,7 +2936,7 @@
           <a:p>
             <a:fld id="{07B54D71-93FF-4FE9-8FBA-4F7CF4208026}" type="datetimeFigureOut">
               <a:rPr lang="es-ES" smtClean="0"/>
-              <a:t>17/02/2023</a:t>
+              <a:t>23/02/2023</a:t>
             </a:fld>
             <a:endParaRPr lang="es-ES"/>
           </a:p>
@@ -7861,19 +7861,7 @@
               <a:rPr lang="es-ES" sz="2200" dirty="0">
                 <a:latin typeface="Arial" panose="020B0604020202020204" pitchFamily="34" charset="0"/>
               </a:rPr>
-              <a:t>Se trata de la aplicación para realizar informes de cara a ser descargados posteriormente en algún formato común. La cual </a:t>
-            </a:r>
-            <a:r>
-              <a:rPr lang="es-ES" sz="2200" dirty="0" err="1">
-                <a:latin typeface="Arial" panose="020B0604020202020204" pitchFamily="34" charset="0"/>
-              </a:rPr>
-              <a:t>rel</a:t>
-            </a:r>
-            <a:r>
-              <a:rPr lang="es-ES" sz="2200" dirty="0">
-                <a:latin typeface="Arial" panose="020B0604020202020204" pitchFamily="34" charset="0"/>
-              </a:rPr>
-              <a:t> lena de forma dinámica estructuras, repitiéndolas en función de la consulta y de las columnas que definamos.</a:t>
+              <a:t>Se trata de la aplicación para realizar informes de cara a ser descargados posteriormente en algún formato común. La cual rellena de forma dinámica estructuras, repitiéndolas en función de la consulta y de las columnas que definamos.</a:t>
             </a:r>
           </a:p>
           <a:p>
